--- a/docs/varQBMpresentation.pptx
+++ b/docs/varQBMpresentation.pptx
@@ -7,12 +7,13 @@
   <p:sldIdLst>
     <p:sldId id="256" r:id="rId2"/>
     <p:sldId id="257" r:id="rId3"/>
-    <p:sldId id="262" r:id="rId4"/>
-    <p:sldId id="263" r:id="rId5"/>
-    <p:sldId id="260" r:id="rId6"/>
-    <p:sldId id="258" r:id="rId7"/>
-    <p:sldId id="259" r:id="rId8"/>
-    <p:sldId id="261" r:id="rId9"/>
+    <p:sldId id="263" r:id="rId4"/>
+    <p:sldId id="264" r:id="rId5"/>
+    <p:sldId id="265" r:id="rId6"/>
+    <p:sldId id="260" r:id="rId7"/>
+    <p:sldId id="258" r:id="rId8"/>
+    <p:sldId id="259" r:id="rId9"/>
+    <p:sldId id="261" r:id="rId10"/>
   </p:sldIdLst>
   <p:sldSz cx="12192000" cy="6858000"/>
   <p:notesSz cx="6858000" cy="9144000"/>
@@ -4547,6 +4548,14 @@
 <file path=ppt/slides/slide2.xml><?xml version="1.0" encoding="utf-8"?>
 <p:sld xmlns:a="http://schemas.openxmlformats.org/drawingml/2006/main" xmlns:r="http://schemas.openxmlformats.org/officeDocument/2006/relationships" xmlns:p="http://schemas.openxmlformats.org/presentationml/2006/main">
   <p:cSld>
+    <p:bg>
+      <p:bgPr>
+        <a:solidFill>
+          <a:schemeClr val="bg1"/>
+        </a:solidFill>
+        <a:effectLst/>
+      </p:bgPr>
+    </p:bg>
     <p:spTree>
       <p:nvGrpSpPr>
         <p:cNvPr id="1" name=""/>
@@ -4561,6 +4570,36 @@
           <a:chExt cx="0" cy="0"/>
         </a:xfrm>
       </p:grpSpPr>
+      <p:pic>
+        <p:nvPicPr>
+          <p:cNvPr id="4" name="Bilde 3">
+            <a:extLst>
+              <a:ext uri="{FF2B5EF4-FFF2-40B4-BE49-F238E27FC236}">
+                <a16:creationId xmlns:a16="http://schemas.microsoft.com/office/drawing/2014/main" id="{35A7C65C-8FFD-834B-B608-39365DB37DC0}"/>
+              </a:ext>
+            </a:extLst>
+          </p:cNvPr>
+          <p:cNvPicPr>
+            <a:picLocks noChangeAspect="1"/>
+          </p:cNvPicPr>
+          <p:nvPr/>
+        </p:nvPicPr>
+        <p:blipFill>
+          <a:blip r:embed="rId2"/>
+          <a:stretch>
+            <a:fillRect/>
+          </a:stretch>
+        </p:blipFill>
+        <p:spPr>
+          <a:xfrm>
+            <a:off x="1390250" y="4896586"/>
+            <a:ext cx="2969147" cy="598820"/>
+          </a:xfrm>
+          <a:prstGeom prst="rect">
+            <a:avLst/>
+          </a:prstGeom>
+        </p:spPr>
+      </p:pic>
       <p:sp>
         <p:nvSpPr>
           <p:cNvPr id="2" name="Tittel 1">
@@ -4577,13 +4616,20 @@
             <p:ph type="title"/>
           </p:nvPr>
         </p:nvSpPr>
-        <p:spPr/>
-        <p:txBody>
-          <a:bodyPr/>
+        <p:spPr>
+          <a:xfrm>
+            <a:off x="1069848" y="798394"/>
+            <a:ext cx="4730451" cy="1637730"/>
+          </a:xfrm>
+        </p:spPr>
+        <p:txBody>
+          <a:bodyPr>
+            <a:normAutofit/>
+          </a:bodyPr>
           <a:lstStyle/>
           <a:p>
             <a:r>
-              <a:rPr lang="en-US" dirty="0"/>
+              <a:rPr lang="en-US" sz="4400"/>
               <a:t>Classical Boltzmann machines</a:t>
             </a:r>
           </a:p>
@@ -4605,48 +4651,280 @@
             <p:ph idx="1"/>
           </p:nvPr>
         </p:nvSpPr>
-        <p:spPr/>
-        <p:txBody>
-          <a:bodyPr/>
+        <p:spPr>
+          <a:xfrm>
+            <a:off x="1069848" y="2578607"/>
+            <a:ext cx="4730451" cy="4636581"/>
+          </a:xfrm>
+        </p:spPr>
+        <p:txBody>
+          <a:bodyPr>
+            <a:normAutofit/>
+          </a:bodyPr>
           <a:lstStyle/>
           <a:p>
             <a:r>
-              <a:rPr lang="en-US" dirty="0"/>
+              <a:rPr lang="en-US" sz="1500" dirty="0"/>
               <a:t>Powerful framework for modelling probability distributions.</a:t>
             </a:r>
           </a:p>
           <a:p>
             <a:r>
-              <a:rPr lang="en-US" dirty="0"/>
+              <a:rPr lang="en-US" sz="1500" dirty="0"/>
               <a:t>Undirected graph structure- Store information in connection weights and biases</a:t>
             </a:r>
           </a:p>
           <a:p>
             <a:r>
-              <a:rPr lang="en-US" dirty="0"/>
+              <a:rPr lang="en-US" sz="1500" dirty="0"/>
               <a:t>Stochastic generative neural network, with visible- and hidden nodes(layers)</a:t>
             </a:r>
           </a:p>
           <a:p>
             <a:r>
-              <a:rPr lang="en-US" dirty="0"/>
-              <a:t>Network structure linked to an energy function which facilitates probability distributions over possible node configurations</a:t>
-            </a:r>
-          </a:p>
-          <a:p>
-            <a:r>
-              <a:rPr lang="en-US" dirty="0"/>
-              <a:t>Insert energy function</a:t>
-            </a:r>
-          </a:p>
-          <a:p>
-            <a:r>
-              <a:rPr lang="en-US" dirty="0"/>
-              <a:t>Insert image of BM</a:t>
-            </a:r>
-          </a:p>
-        </p:txBody>
-      </p:sp>
+              <a:rPr lang="en-US" sz="1500" dirty="0"/>
+              <a:t>Network structure linked to an energy function which facilitates probability distributions over possible node configurations:</a:t>
+            </a:r>
+          </a:p>
+          <a:p>
+            <a:endParaRPr lang="en-US" sz="1500" dirty="0"/>
+          </a:p>
+          <a:p>
+            <a:r>
+              <a:rPr lang="en-US" sz="1500" dirty="0"/>
+              <a:t>Probability to observe certain configuration</a:t>
+            </a:r>
+          </a:p>
+          <a:p>
+            <a:endParaRPr lang="en-US" sz="1500" dirty="0"/>
+          </a:p>
+          <a:p>
+            <a:endParaRPr lang="en-US" sz="1500" dirty="0"/>
+          </a:p>
+          <a:p>
+            <a:r>
+              <a:rPr lang="en-US" sz="1500" dirty="0"/>
+              <a:t>Optimizing loss function</a:t>
+            </a:r>
+          </a:p>
+        </p:txBody>
+      </p:sp>
+      <p:sp>
+        <p:nvSpPr>
+          <p:cNvPr id="145" name="Freeform: Shape 144">
+            <a:extLst>
+              <a:ext uri="{FF2B5EF4-FFF2-40B4-BE49-F238E27FC236}">
+                <a16:creationId xmlns:a16="http://schemas.microsoft.com/office/drawing/2014/main" id="{B16070FD-9EB8-4AC8-A8E2-267228385B79}"/>
+              </a:ext>
+              <a:ext uri="{C183D7F6-B498-43B3-948B-1728B52AA6E4}">
+                <adec:decorative xmlns:adec="http://schemas.microsoft.com/office/drawing/2017/decorative" val="1"/>
+              </a:ext>
+            </a:extLst>
+          </p:cNvPr>
+          <p:cNvSpPr>
+            <a:spLocks noGrp="1" noRot="1" noChangeAspect="1" noMove="1" noResize="1" noEditPoints="1" noAdjustHandles="1" noChangeArrowheads="1" noChangeShapeType="1" noTextEdit="1"/>
+          </p:cNvSpPr>
+          <p:nvPr>
+            <p:extLst>
+              <p:ext uri="{386F3935-93C4-4BCD-93E2-E3B085C9AB24}">
+                <p16:designElem xmlns:p16="http://schemas.microsoft.com/office/powerpoint/2015/main" val="1"/>
+              </p:ext>
+            </p:extLst>
+          </p:nvPr>
+        </p:nvSpPr>
+        <p:spPr>
+          <a:xfrm>
+            <a:off x="5913124" y="0"/>
+            <a:ext cx="6278877" cy="6858000"/>
+          </a:xfrm>
+          <a:custGeom>
+            <a:avLst/>
+            <a:gdLst>
+              <a:gd name="connsiteX0" fmla="*/ 45571 w 6278877"/>
+              <a:gd name="connsiteY0" fmla="*/ 0 h 6858000"/>
+              <a:gd name="connsiteX1" fmla="*/ 6278877 w 6278877"/>
+              <a:gd name="connsiteY1" fmla="*/ 0 h 6858000"/>
+              <a:gd name="connsiteX2" fmla="*/ 6278877 w 6278877"/>
+              <a:gd name="connsiteY2" fmla="*/ 6858000 h 6858000"/>
+              <a:gd name="connsiteX3" fmla="*/ 3292307 w 6278877"/>
+              <a:gd name="connsiteY3" fmla="*/ 6858000 h 6858000"/>
+              <a:gd name="connsiteX4" fmla="*/ 3181525 w 6278877"/>
+              <a:gd name="connsiteY4" fmla="*/ 6786980 h 6858000"/>
+              <a:gd name="connsiteX5" fmla="*/ 0 w 6278877"/>
+              <a:gd name="connsiteY5" fmla="*/ 803252 h 6858000"/>
+              <a:gd name="connsiteX6" fmla="*/ 37255 w 6278877"/>
+              <a:gd name="connsiteY6" fmla="*/ 65445 h 6858000"/>
+            </a:gdLst>
+            <a:ahLst/>
+            <a:cxnLst>
+              <a:cxn ang="0">
+                <a:pos x="connsiteX0" y="connsiteY0"/>
+              </a:cxn>
+              <a:cxn ang="0">
+                <a:pos x="connsiteX1" y="connsiteY1"/>
+              </a:cxn>
+              <a:cxn ang="0">
+                <a:pos x="connsiteX2" y="connsiteY2"/>
+              </a:cxn>
+              <a:cxn ang="0">
+                <a:pos x="connsiteX3" y="connsiteY3"/>
+              </a:cxn>
+              <a:cxn ang="0">
+                <a:pos x="connsiteX4" y="connsiteY4"/>
+              </a:cxn>
+              <a:cxn ang="0">
+                <a:pos x="connsiteX5" y="connsiteY5"/>
+              </a:cxn>
+              <a:cxn ang="0">
+                <a:pos x="connsiteX6" y="connsiteY6"/>
+              </a:cxn>
+            </a:cxnLst>
+            <a:rect l="l" t="t" r="r" b="b"/>
+            <a:pathLst>
+              <a:path w="6278877" h="6858000">
+                <a:moveTo>
+                  <a:pt x="45571" y="0"/>
+                </a:moveTo>
+                <a:lnTo>
+                  <a:pt x="6278877" y="0"/>
+                </a:lnTo>
+                <a:lnTo>
+                  <a:pt x="6278877" y="6858000"/>
+                </a:lnTo>
+                <a:lnTo>
+                  <a:pt x="3292307" y="6858000"/>
+                </a:lnTo>
+                <a:lnTo>
+                  <a:pt x="3181525" y="6786980"/>
+                </a:lnTo>
+                <a:cubicBezTo>
+                  <a:pt x="1262020" y="5490189"/>
+                  <a:pt x="0" y="3294101"/>
+                  <a:pt x="0" y="803252"/>
+                </a:cubicBezTo>
+                <a:cubicBezTo>
+                  <a:pt x="0" y="554167"/>
+                  <a:pt x="12619" y="308030"/>
+                  <a:pt x="37255" y="65445"/>
+                </a:cubicBezTo>
+                <a:close/>
+              </a:path>
+            </a:pathLst>
+          </a:custGeom>
+          <a:solidFill>
+            <a:schemeClr val="tx2">
+              <a:lumMod val="50000"/>
+            </a:schemeClr>
+          </a:solidFill>
+          <a:ln>
+            <a:noFill/>
+          </a:ln>
+        </p:spPr>
+        <p:style>
+          <a:lnRef idx="2">
+            <a:schemeClr val="accent1">
+              <a:shade val="50000"/>
+            </a:schemeClr>
+          </a:lnRef>
+          <a:fillRef idx="1">
+            <a:schemeClr val="accent1"/>
+          </a:fillRef>
+          <a:effectRef idx="0">
+            <a:schemeClr val="accent1"/>
+          </a:effectRef>
+          <a:fontRef idx="minor">
+            <a:schemeClr val="lt1"/>
+          </a:fontRef>
+        </p:style>
+        <p:txBody>
+          <a:bodyPr wrap="square" rtlCol="0" anchor="ctr">
+            <a:noAutofit/>
+          </a:bodyPr>
+          <a:lstStyle/>
+          <a:p>
+            <a:pPr algn="ctr"/>
+            <a:endParaRPr lang="en-US"/>
+          </a:p>
+        </p:txBody>
+      </p:sp>
+      <p:pic>
+        <p:nvPicPr>
+          <p:cNvPr id="1026" name="Picture 2">
+            <a:extLst>
+              <a:ext uri="{FF2B5EF4-FFF2-40B4-BE49-F238E27FC236}">
+                <a16:creationId xmlns:a16="http://schemas.microsoft.com/office/drawing/2014/main" id="{F46B91D0-EADE-294C-91E9-BCE9F2862ADD}"/>
+              </a:ext>
+            </a:extLst>
+          </p:cNvPr>
+          <p:cNvPicPr>
+            <a:picLocks noChangeAspect="1" noChangeArrowheads="1"/>
+          </p:cNvPicPr>
+          <p:nvPr/>
+        </p:nvPicPr>
+        <p:blipFill rotWithShape="1">
+          <a:blip r:embed="rId3">
+            <a:extLst>
+              <a:ext uri="{28A0092B-C50C-407E-A947-70E740481C1C}">
+                <a14:useLocalDpi xmlns:a14="http://schemas.microsoft.com/office/drawing/2010/main" val="0"/>
+              </a:ext>
+            </a:extLst>
+          </a:blip>
+          <a:srcRect t="281" b="4008"/>
+          <a:stretch/>
+        </p:blipFill>
+        <p:spPr bwMode="auto">
+          <a:xfrm>
+            <a:off x="7358063" y="0"/>
+            <a:ext cx="4833937" cy="4391538"/>
+          </a:xfrm>
+          <a:prstGeom prst="rect">
+            <a:avLst/>
+          </a:prstGeom>
+          <a:noFill/>
+          <a:effectLst>
+            <a:softEdge rad="12700"/>
+          </a:effectLst>
+          <a:extLst>
+            <a:ext uri="{909E8E84-426E-40DD-AFC4-6F175D3DCCD1}">
+              <a14:hiddenFill xmlns:a14="http://schemas.microsoft.com/office/drawing/2010/main">
+                <a:solidFill>
+                  <a:srgbClr val="FFFFFF"/>
+                </a:solidFill>
+              </a14:hiddenFill>
+            </a:ext>
+          </a:extLst>
+        </p:spPr>
+      </p:pic>
+      <p:pic>
+        <p:nvPicPr>
+          <p:cNvPr id="5" name="Bilde 4">
+            <a:extLst>
+              <a:ext uri="{FF2B5EF4-FFF2-40B4-BE49-F238E27FC236}">
+                <a16:creationId xmlns:a16="http://schemas.microsoft.com/office/drawing/2014/main" id="{2BCE3AAC-D840-4841-A8AD-957D97CD8553}"/>
+              </a:ext>
+            </a:extLst>
+          </p:cNvPr>
+          <p:cNvPicPr>
+            <a:picLocks noChangeAspect="1"/>
+          </p:cNvPicPr>
+          <p:nvPr/>
+        </p:nvPicPr>
+        <p:blipFill>
+          <a:blip r:embed="rId4"/>
+          <a:stretch>
+            <a:fillRect/>
+          </a:stretch>
+        </p:blipFill>
+        <p:spPr>
+          <a:xfrm>
+            <a:off x="1390250" y="5721209"/>
+            <a:ext cx="2079902" cy="676794"/>
+          </a:xfrm>
+          <a:prstGeom prst="rect">
+            <a:avLst/>
+          </a:prstGeom>
+        </p:spPr>
+      </p:pic>
     </p:spTree>
     <p:extLst>
       <p:ext uri="{BB962C8B-B14F-4D97-AF65-F5344CB8AC3E}">
@@ -4682,7 +4960,7 @@
           <p:cNvPr id="2" name="Tittel 1">
             <a:extLst>
               <a:ext uri="{FF2B5EF4-FFF2-40B4-BE49-F238E27FC236}">
-                <a16:creationId xmlns:a16="http://schemas.microsoft.com/office/drawing/2014/main" id="{26FF7BDA-8BC7-4145-8AE5-1671C156BB16}"/>
+                <a16:creationId xmlns:a16="http://schemas.microsoft.com/office/drawing/2014/main" id="{5DD535AC-785A-A042-8918-7F6E713FCFF5}"/>
               </a:ext>
             </a:extLst>
           </p:cNvPr>
@@ -4700,7 +4978,7 @@
           <a:p>
             <a:r>
               <a:rPr lang="en-US" dirty="0"/>
-              <a:t>More on classical Boltzmann machines</a:t>
+              <a:t>Variational Quantum Boltzmann machine</a:t>
             </a:r>
           </a:p>
         </p:txBody>
@@ -4710,7 +4988,7 @@
           <p:cNvPr id="3" name="Plassholder for innhold 2">
             <a:extLst>
               <a:ext uri="{FF2B5EF4-FFF2-40B4-BE49-F238E27FC236}">
-                <a16:creationId xmlns:a16="http://schemas.microsoft.com/office/drawing/2014/main" id="{162960B9-D55C-6340-B29D-FAB78248A334}"/>
+                <a16:creationId xmlns:a16="http://schemas.microsoft.com/office/drawing/2014/main" id="{AED7466A-A3A2-2743-A0DB-E34BC6C28D5F}"/>
               </a:ext>
             </a:extLst>
           </p:cNvPr>
@@ -4728,15 +5006,190 @@
           <a:p>
             <a:r>
               <a:rPr lang="en-US" dirty="0"/>
-              <a:t>Insert energy function and stuff like that.</a:t>
-            </a:r>
-          </a:p>
-        </p:txBody>
-      </p:sp>
+              <a:t>Imaginary time evolution used for classical ground state</a:t>
+            </a:r>
+          </a:p>
+          <a:p>
+            <a:r>
+              <a:rPr lang="en-US" dirty="0"/>
+              <a:t>Describe evolution (Wick-rotated S.E.):</a:t>
+            </a:r>
+          </a:p>
+          <a:p>
+            <a:pPr lvl="1"/>
+            <a:r>
+              <a:rPr lang="en-US" dirty="0"/>
+              <a:t>Finite time </a:t>
+            </a:r>
+            <a:r>
+              <a:rPr lang="en-US" dirty="0">
+                <a:sym typeface="Wingdings" pitchFamily="2" charset="2"/>
+              </a:rPr>
+              <a:t>Gibbs states</a:t>
+            </a:r>
+            <a:endParaRPr lang="en-US" dirty="0"/>
+          </a:p>
+          <a:p>
+            <a:r>
+              <a:rPr lang="en-US" dirty="0"/>
+              <a:t>Basic idea: Parameterized trial circuit:</a:t>
+            </a:r>
+          </a:p>
+          <a:p>
+            <a:pPr lvl="1"/>
+            <a:r>
+              <a:rPr lang="en-US" dirty="0"/>
+              <a:t>.</a:t>
+            </a:r>
+          </a:p>
+          <a:p>
+            <a:r>
+              <a:rPr lang="en-US" dirty="0"/>
+              <a:t>McLachlan’s variational principle:</a:t>
+            </a:r>
+          </a:p>
+          <a:p>
+            <a:pPr lvl="1"/>
+            <a:r>
+              <a:rPr lang="en-US" dirty="0"/>
+              <a:t>.</a:t>
+            </a:r>
+          </a:p>
+          <a:p>
+            <a:r>
+              <a:rPr lang="en-US" dirty="0"/>
+              <a:t> Basically, find the parameters that minimizes the equation</a:t>
+            </a:r>
+          </a:p>
+          <a:p>
+            <a:endParaRPr lang="en-US" dirty="0"/>
+          </a:p>
+        </p:txBody>
+      </p:sp>
+      <p:pic>
+        <p:nvPicPr>
+          <p:cNvPr id="4" name="Bilde 3">
+            <a:extLst>
+              <a:ext uri="{FF2B5EF4-FFF2-40B4-BE49-F238E27FC236}">
+                <a16:creationId xmlns:a16="http://schemas.microsoft.com/office/drawing/2014/main" id="{DA4E1941-3354-CB4D-8472-B1C3118E6D1F}"/>
+              </a:ext>
+            </a:extLst>
+          </p:cNvPr>
+          <p:cNvPicPr>
+            <a:picLocks noChangeAspect="1"/>
+          </p:cNvPicPr>
+          <p:nvPr/>
+        </p:nvPicPr>
+        <p:blipFill>
+          <a:blip r:embed="rId2"/>
+          <a:stretch>
+            <a:fillRect/>
+          </a:stretch>
+        </p:blipFill>
+        <p:spPr>
+          <a:xfrm>
+            <a:off x="5969127" y="2493159"/>
+            <a:ext cx="2489074" cy="566743"/>
+          </a:xfrm>
+          <a:prstGeom prst="rect">
+            <a:avLst/>
+          </a:prstGeom>
+        </p:spPr>
+      </p:pic>
+      <p:pic>
+        <p:nvPicPr>
+          <p:cNvPr id="5" name="Bilde 4">
+            <a:extLst>
+              <a:ext uri="{FF2B5EF4-FFF2-40B4-BE49-F238E27FC236}">
+                <a16:creationId xmlns:a16="http://schemas.microsoft.com/office/drawing/2014/main" id="{8B847E78-D2E4-934F-83CF-3C3C645EE86E}"/>
+              </a:ext>
+            </a:extLst>
+          </p:cNvPr>
+          <p:cNvPicPr>
+            <a:picLocks noChangeAspect="1"/>
+          </p:cNvPicPr>
+          <p:nvPr/>
+        </p:nvPicPr>
+        <p:blipFill>
+          <a:blip r:embed="rId3"/>
+          <a:stretch>
+            <a:fillRect/>
+          </a:stretch>
+        </p:blipFill>
+        <p:spPr>
+          <a:xfrm>
+            <a:off x="5811965" y="3290385"/>
+            <a:ext cx="2646236" cy="309487"/>
+          </a:xfrm>
+          <a:prstGeom prst="rect">
+            <a:avLst/>
+          </a:prstGeom>
+        </p:spPr>
+      </p:pic>
+      <p:pic>
+        <p:nvPicPr>
+          <p:cNvPr id="6" name="Bilde 5">
+            <a:extLst>
+              <a:ext uri="{FF2B5EF4-FFF2-40B4-BE49-F238E27FC236}">
+                <a16:creationId xmlns:a16="http://schemas.microsoft.com/office/drawing/2014/main" id="{FE61D52D-C091-7444-86A7-FFC5594D0A54}"/>
+              </a:ext>
+            </a:extLst>
+          </p:cNvPr>
+          <p:cNvPicPr>
+            <a:picLocks noChangeAspect="1"/>
+          </p:cNvPicPr>
+          <p:nvPr/>
+        </p:nvPicPr>
+        <p:blipFill>
+          <a:blip r:embed="rId4"/>
+          <a:stretch>
+            <a:fillRect/>
+          </a:stretch>
+        </p:blipFill>
+        <p:spPr>
+          <a:xfrm>
+            <a:off x="1631281" y="3599872"/>
+            <a:ext cx="3416970" cy="355762"/>
+          </a:xfrm>
+          <a:prstGeom prst="rect">
+            <a:avLst/>
+          </a:prstGeom>
+        </p:spPr>
+      </p:pic>
+      <p:pic>
+        <p:nvPicPr>
+          <p:cNvPr id="7" name="Bilde 6">
+            <a:extLst>
+              <a:ext uri="{FF2B5EF4-FFF2-40B4-BE49-F238E27FC236}">
+                <a16:creationId xmlns:a16="http://schemas.microsoft.com/office/drawing/2014/main" id="{B5DB7E8E-F6AE-7941-A494-89094D23B7B1}"/>
+              </a:ext>
+            </a:extLst>
+          </p:cNvPr>
+          <p:cNvPicPr>
+            <a:picLocks noChangeAspect="1"/>
+          </p:cNvPicPr>
+          <p:nvPr/>
+        </p:nvPicPr>
+        <p:blipFill>
+          <a:blip r:embed="rId5"/>
+          <a:stretch>
+            <a:fillRect/>
+          </a:stretch>
+        </p:blipFill>
+        <p:spPr>
+          <a:xfrm>
+            <a:off x="1631281" y="4373059"/>
+            <a:ext cx="4035671" cy="355762"/>
+          </a:xfrm>
+          <a:prstGeom prst="rect">
+            <a:avLst/>
+          </a:prstGeom>
+        </p:spPr>
+      </p:pic>
     </p:spTree>
     <p:extLst>
       <p:ext uri="{BB962C8B-B14F-4D97-AF65-F5344CB8AC3E}">
-        <p14:creationId xmlns:p14="http://schemas.microsoft.com/office/powerpoint/2010/main" val="639112473"/>
+        <p14:creationId xmlns:p14="http://schemas.microsoft.com/office/powerpoint/2010/main" val="3462104080"/>
       </p:ext>
     </p:extLst>
   </p:cSld>
@@ -4768,7 +5221,7 @@
           <p:cNvPr id="2" name="Tittel 1">
             <a:extLst>
               <a:ext uri="{FF2B5EF4-FFF2-40B4-BE49-F238E27FC236}">
-                <a16:creationId xmlns:a16="http://schemas.microsoft.com/office/drawing/2014/main" id="{5DD535AC-785A-A042-8918-7F6E713FCFF5}"/>
+                <a16:creationId xmlns:a16="http://schemas.microsoft.com/office/drawing/2014/main" id="{B5943086-CA1A-3D43-BC6F-41F0BFB3804E}"/>
               </a:ext>
             </a:extLst>
           </p:cNvPr>
@@ -4779,14 +5232,19 @@
             <p:ph type="title"/>
           </p:nvPr>
         </p:nvSpPr>
-        <p:spPr/>
+        <p:spPr>
+          <a:xfrm>
+            <a:off x="1180783" y="-156147"/>
+            <a:ext cx="10058400" cy="1609344"/>
+          </a:xfrm>
+        </p:spPr>
         <p:txBody>
           <a:bodyPr/>
           <a:lstStyle/>
           <a:p>
             <a:r>
               <a:rPr lang="en-US" dirty="0"/>
-              <a:t>Variational Quantum Boltzmann machine</a:t>
+              <a:t>The algorithm</a:t>
             </a:r>
           </a:p>
         </p:txBody>
@@ -4796,7 +5254,7 @@
           <p:cNvPr id="3" name="Plassholder for innhold 2">
             <a:extLst>
               <a:ext uri="{FF2B5EF4-FFF2-40B4-BE49-F238E27FC236}">
-                <a16:creationId xmlns:a16="http://schemas.microsoft.com/office/drawing/2014/main" id="{AED7466A-A3A2-2743-A0DB-E34BC6C28D5F}"/>
+                <a16:creationId xmlns:a16="http://schemas.microsoft.com/office/drawing/2014/main" id="{68703318-C49B-ED4A-8F16-FB36CE112CF6}"/>
               </a:ext>
             </a:extLst>
           </p:cNvPr>
@@ -4807,60 +5265,173 @@
             <p:ph idx="1"/>
           </p:nvPr>
         </p:nvSpPr>
-        <p:spPr/>
+        <p:spPr>
+          <a:xfrm>
+            <a:off x="1447642" y="3932491"/>
+            <a:ext cx="10058400" cy="2743200"/>
+          </a:xfrm>
+        </p:spPr>
         <p:txBody>
           <a:bodyPr/>
           <a:lstStyle/>
           <a:p>
             <a:r>
-              <a:rPr lang="en-US" dirty="0" err="1"/>
-              <a:t>VarQBM</a:t>
-            </a:r>
-            <a:r>
               <a:rPr lang="en-US" dirty="0"/>
-              <a:t> is </a:t>
-            </a:r>
-            <a:r>
-              <a:rPr lang="en-US" dirty="0" err="1"/>
-              <a:t>basicly</a:t>
-            </a:r>
+              <a:t>Finds BM distribution from:</a:t>
+            </a:r>
+          </a:p>
+          <a:p>
+            <a:pPr lvl="1"/>
             <a:r>
               <a:rPr lang="en-US" dirty="0"/>
-              <a:t> about evolving </a:t>
-            </a:r>
-            <a:r>
-              <a:rPr lang="en-US"/>
-              <a:t>through complex </a:t>
-            </a:r>
+              <a:t> .</a:t>
+            </a:r>
+          </a:p>
+          <a:p>
+            <a:endParaRPr lang="en-US" dirty="0"/>
+          </a:p>
+          <a:p>
             <a:r>
               <a:rPr lang="en-US" dirty="0"/>
-              <a:t>time</a:t>
-            </a:r>
-          </a:p>
-          <a:p>
+              <a:t>Minimizes loss</a:t>
+            </a:r>
+          </a:p>
+          <a:p>
+            <a:pPr lvl="1"/>
             <a:r>
               <a:rPr lang="en-US" dirty="0"/>
-              <a:t>Like to use this image as a more intuitive explanation</a:t>
-            </a:r>
-          </a:p>
-          <a:p>
-            <a:r>
-              <a:rPr lang="en-US" dirty="0"/>
-              <a:t>Insert cool image</a:t>
+              <a:t> .</a:t>
             </a:r>
           </a:p>
           <a:p>
             <a:endParaRPr lang="en-US" dirty="0"/>
           </a:p>
-          <a:p>
-            <a:endParaRPr lang="en-US" dirty="0"/>
-          </a:p>
-        </p:txBody>
-      </p:sp>
+        </p:txBody>
+      </p:sp>
+      <p:pic>
+        <p:nvPicPr>
+          <p:cNvPr id="4" name="Bilde 3">
+            <a:extLst>
+              <a:ext uri="{FF2B5EF4-FFF2-40B4-BE49-F238E27FC236}">
+                <a16:creationId xmlns:a16="http://schemas.microsoft.com/office/drawing/2014/main" id="{981BF7EC-8ED4-D744-9733-31EDB46C79FF}"/>
+              </a:ext>
+            </a:extLst>
+          </p:cNvPr>
+          <p:cNvPicPr>
+            <a:picLocks noChangeAspect="1"/>
+          </p:cNvPicPr>
+          <p:nvPr/>
+        </p:nvPicPr>
+        <p:blipFill>
+          <a:blip r:embed="rId2"/>
+          <a:stretch>
+            <a:fillRect/>
+          </a:stretch>
+        </p:blipFill>
+        <p:spPr>
+          <a:xfrm>
+            <a:off x="1323658" y="952648"/>
+            <a:ext cx="4471987" cy="2864244"/>
+          </a:xfrm>
+          <a:prstGeom prst="rect">
+            <a:avLst/>
+          </a:prstGeom>
+        </p:spPr>
+      </p:pic>
+      <p:pic>
+        <p:nvPicPr>
+          <p:cNvPr id="5" name="Bilde 4">
+            <a:extLst>
+              <a:ext uri="{FF2B5EF4-FFF2-40B4-BE49-F238E27FC236}">
+                <a16:creationId xmlns:a16="http://schemas.microsoft.com/office/drawing/2014/main" id="{82C47F00-8C64-EE4C-B7E5-A5A03D21CB11}"/>
+              </a:ext>
+            </a:extLst>
+          </p:cNvPr>
+          <p:cNvPicPr>
+            <a:picLocks noChangeAspect="1"/>
+          </p:cNvPicPr>
+          <p:nvPr/>
+        </p:nvPicPr>
+        <p:blipFill>
+          <a:blip r:embed="rId3"/>
+          <a:stretch>
+            <a:fillRect/>
+          </a:stretch>
+        </p:blipFill>
+        <p:spPr>
+          <a:xfrm>
+            <a:off x="6622794" y="941606"/>
+            <a:ext cx="4892105" cy="4758510"/>
+          </a:xfrm>
+          <a:prstGeom prst="rect">
+            <a:avLst/>
+          </a:prstGeom>
+        </p:spPr>
+      </p:pic>
+      <p:pic>
+        <p:nvPicPr>
+          <p:cNvPr id="6" name="Bilde 5">
+            <a:extLst>
+              <a:ext uri="{FF2B5EF4-FFF2-40B4-BE49-F238E27FC236}">
+                <a16:creationId xmlns:a16="http://schemas.microsoft.com/office/drawing/2014/main" id="{1C83C6AC-6A9A-F441-B846-E085CF3BA671}"/>
+              </a:ext>
+            </a:extLst>
+          </p:cNvPr>
+          <p:cNvPicPr>
+            <a:picLocks noChangeAspect="1"/>
+          </p:cNvPicPr>
+          <p:nvPr/>
+        </p:nvPicPr>
+        <p:blipFill>
+          <a:blip r:embed="rId4"/>
+          <a:stretch>
+            <a:fillRect/>
+          </a:stretch>
+        </p:blipFill>
+        <p:spPr>
+          <a:xfrm>
+            <a:off x="2009451" y="4230919"/>
+            <a:ext cx="2600201" cy="536487"/>
+          </a:xfrm>
+          <a:prstGeom prst="rect">
+            <a:avLst/>
+          </a:prstGeom>
+        </p:spPr>
+      </p:pic>
+      <p:pic>
+        <p:nvPicPr>
+          <p:cNvPr id="7" name="Bilde 6">
+            <a:extLst>
+              <a:ext uri="{FF2B5EF4-FFF2-40B4-BE49-F238E27FC236}">
+                <a16:creationId xmlns:a16="http://schemas.microsoft.com/office/drawing/2014/main" id="{BFA8DD49-E071-AE4E-99B2-92A209BC5C81}"/>
+              </a:ext>
+            </a:extLst>
+          </p:cNvPr>
+          <p:cNvPicPr>
+            <a:picLocks noChangeAspect="1"/>
+          </p:cNvPicPr>
+          <p:nvPr/>
+        </p:nvPicPr>
+        <p:blipFill>
+          <a:blip r:embed="rId5"/>
+          <a:stretch>
+            <a:fillRect/>
+          </a:stretch>
+        </p:blipFill>
+        <p:spPr>
+          <a:xfrm>
+            <a:off x="2009451" y="5372444"/>
+            <a:ext cx="3303804" cy="655344"/>
+          </a:xfrm>
+          <a:prstGeom prst="rect">
+            <a:avLst/>
+          </a:prstGeom>
+        </p:spPr>
+      </p:pic>
     </p:spTree>
     <p:extLst>
       <p:ext uri="{BB962C8B-B14F-4D97-AF65-F5344CB8AC3E}">
-        <p14:creationId xmlns:p14="http://schemas.microsoft.com/office/powerpoint/2010/main" val="3462104080"/>
+        <p14:creationId xmlns:p14="http://schemas.microsoft.com/office/powerpoint/2010/main" val="3040124140"/>
       </p:ext>
     </p:extLst>
   </p:cSld>
@@ -4892,7 +5463,7 @@
           <p:cNvPr id="2" name="Tittel 1">
             <a:extLst>
               <a:ext uri="{FF2B5EF4-FFF2-40B4-BE49-F238E27FC236}">
-                <a16:creationId xmlns:a16="http://schemas.microsoft.com/office/drawing/2014/main" id="{E6721003-3D2F-9048-90DC-689C2F05A4CA}"/>
+                <a16:creationId xmlns:a16="http://schemas.microsoft.com/office/drawing/2014/main" id="{26852B82-C51A-334C-ADFB-14AE1CAB0253}"/>
               </a:ext>
             </a:extLst>
           </p:cNvPr>
@@ -4903,22 +5474,19 @@
             <p:ph type="title"/>
           </p:nvPr>
         </p:nvSpPr>
-        <p:spPr/>
+        <p:spPr>
+          <a:xfrm>
+            <a:off x="1069848" y="-34635"/>
+            <a:ext cx="10058400" cy="1609344"/>
+          </a:xfrm>
+        </p:spPr>
         <p:txBody>
           <a:bodyPr/>
           <a:lstStyle/>
           <a:p>
             <a:r>
               <a:rPr lang="en-US" dirty="0"/>
-              <a:t>Results: Generation of </a:t>
-            </a:r>
-            <a:r>
-              <a:rPr lang="en-US" dirty="0" err="1"/>
-              <a:t>gibbs</a:t>
-            </a:r>
-            <a:r>
-              <a:rPr lang="en-US" dirty="0"/>
-              <a:t> states</a:t>
+              <a:t>Main Challenge</a:t>
             </a:r>
           </a:p>
         </p:txBody>
@@ -4928,7 +5496,7 @@
           <p:cNvPr id="3" name="Plassholder for innhold 2">
             <a:extLst>
               <a:ext uri="{FF2B5EF4-FFF2-40B4-BE49-F238E27FC236}">
-                <a16:creationId xmlns:a16="http://schemas.microsoft.com/office/drawing/2014/main" id="{3A0021F7-082D-A04B-8C52-2309B8EF0306}"/>
+                <a16:creationId xmlns:a16="http://schemas.microsoft.com/office/drawing/2014/main" id="{9AF01C6C-E932-EE4D-873F-F4DDDD2695D8}"/>
               </a:ext>
             </a:extLst>
           </p:cNvPr>
@@ -4939,68 +5507,191 @@
             <p:ph idx="1"/>
           </p:nvPr>
         </p:nvSpPr>
-        <p:spPr/>
-        <p:txBody>
-          <a:bodyPr>
-            <a:normAutofit/>
-          </a:bodyPr>
+        <p:spPr>
+          <a:xfrm>
+            <a:off x="1069848" y="1657350"/>
+            <a:ext cx="10058400" cy="4514850"/>
+          </a:xfrm>
+        </p:spPr>
+        <p:txBody>
+          <a:bodyPr/>
           <a:lstStyle/>
           <a:p>
             <a:r>
               <a:rPr lang="en-US" dirty="0"/>
-              <a:t>Main part is to prepare the </a:t>
-            </a:r>
-            <a:r>
-              <a:rPr lang="en-US" dirty="0" err="1"/>
-              <a:t>gibbs</a:t>
-            </a:r>
+              <a:t>Solving		and   </a:t>
+            </a:r>
+          </a:p>
+          <a:p>
+            <a:endParaRPr lang="en-US" dirty="0"/>
+          </a:p>
+          <a:p>
             <a:r>
               <a:rPr lang="en-US" dirty="0"/>
-              <a:t> states.</a:t>
-            </a:r>
-          </a:p>
-          <a:p>
+              <a:t>With </a:t>
+            </a:r>
+          </a:p>
+          <a:p>
+            <a:pPr lvl="3"/>
             <a:r>
               <a:rPr lang="en-US" dirty="0"/>
-              <a:t>With the following Hamiltonians and trial circuits:</a:t>
-            </a:r>
-          </a:p>
-          <a:p>
+              <a:t> .</a:t>
+            </a:r>
+          </a:p>
+          <a:p>
+            <a:pPr marL="274320" lvl="1" indent="0">
+              <a:buNone/>
+            </a:pPr>
+            <a:endParaRPr lang="en-US" dirty="0"/>
+          </a:p>
+          <a:p>
+            <a:pPr lvl="3"/>
             <a:r>
               <a:rPr lang="en-US" dirty="0"/>
-              <a:t>Insert H1, A1 and H2,A2</a:t>
-            </a:r>
+              <a:t> .</a:t>
+            </a:r>
+          </a:p>
+          <a:p>
+            <a:endParaRPr lang="en-US" dirty="0"/>
           </a:p>
           <a:p>
             <a:r>
               <a:rPr lang="en-US" dirty="0"/>
-              <a:t>Did this in 2 ways, following the main article and testing a different form for implementing the C circuit(Problem: I don’t see why it works), show the implementation</a:t>
-            </a:r>
-          </a:p>
-          <a:p>
-            <a:r>
-              <a:rPr lang="en-US" dirty="0"/>
-              <a:t>Which gave the following results:</a:t>
-            </a:r>
-          </a:p>
-          <a:p>
-            <a:r>
-              <a:rPr lang="en-US" dirty="0"/>
-              <a:t>Insert screenshot from terminal, </a:t>
-            </a:r>
-          </a:p>
-          <a:p>
-            <a:r>
-              <a:rPr lang="en-US" dirty="0"/>
-              <a:t>0.99 and 98 might be due to inverting singular matrix using Ridge</a:t>
-            </a:r>
-          </a:p>
-        </p:txBody>
-      </p:sp>
+              <a:t>Solved using the generalized circuit:</a:t>
+            </a:r>
+          </a:p>
+          <a:p>
+            <a:pPr marL="0" indent="0">
+              <a:buNone/>
+            </a:pPr>
+            <a:endParaRPr lang="en-US" dirty="0"/>
+          </a:p>
+        </p:txBody>
+      </p:sp>
+      <p:pic>
+        <p:nvPicPr>
+          <p:cNvPr id="4" name="Bilde 3">
+            <a:extLst>
+              <a:ext uri="{FF2B5EF4-FFF2-40B4-BE49-F238E27FC236}">
+                <a16:creationId xmlns:a16="http://schemas.microsoft.com/office/drawing/2014/main" id="{8BF24216-532E-3342-A78B-E9CEF377F002}"/>
+              </a:ext>
+            </a:extLst>
+          </p:cNvPr>
+          <p:cNvPicPr>
+            <a:picLocks noChangeAspect="1"/>
+          </p:cNvPicPr>
+          <p:nvPr/>
+        </p:nvPicPr>
+        <p:blipFill>
+          <a:blip r:embed="rId2"/>
+          <a:stretch>
+            <a:fillRect/>
+          </a:stretch>
+        </p:blipFill>
+        <p:spPr>
+          <a:xfrm>
+            <a:off x="2406318" y="1664204"/>
+            <a:ext cx="1351296" cy="334773"/>
+          </a:xfrm>
+          <a:prstGeom prst="rect">
+            <a:avLst/>
+          </a:prstGeom>
+        </p:spPr>
+      </p:pic>
+      <p:pic>
+        <p:nvPicPr>
+          <p:cNvPr id="5" name="Bilde 4">
+            <a:extLst>
+              <a:ext uri="{FF2B5EF4-FFF2-40B4-BE49-F238E27FC236}">
+                <a16:creationId xmlns:a16="http://schemas.microsoft.com/office/drawing/2014/main" id="{783E116E-2585-4240-9AD6-4DDF73DF0E8B}"/>
+              </a:ext>
+            </a:extLst>
+          </p:cNvPr>
+          <p:cNvPicPr>
+            <a:picLocks noChangeAspect="1"/>
+          </p:cNvPicPr>
+          <p:nvPr/>
+        </p:nvPicPr>
+        <p:blipFill>
+          <a:blip r:embed="rId3"/>
+          <a:stretch>
+            <a:fillRect/>
+          </a:stretch>
+        </p:blipFill>
+        <p:spPr>
+          <a:xfrm>
+            <a:off x="4572000" y="1481208"/>
+            <a:ext cx="4077568" cy="717321"/>
+          </a:xfrm>
+          <a:prstGeom prst="rect">
+            <a:avLst/>
+          </a:prstGeom>
+        </p:spPr>
+      </p:pic>
+      <p:pic>
+        <p:nvPicPr>
+          <p:cNvPr id="6" name="Bilde 5">
+            <a:extLst>
+              <a:ext uri="{FF2B5EF4-FFF2-40B4-BE49-F238E27FC236}">
+                <a16:creationId xmlns:a16="http://schemas.microsoft.com/office/drawing/2014/main" id="{6299367F-CC3E-7347-A3BD-572D2541AA5E}"/>
+              </a:ext>
+            </a:extLst>
+          </p:cNvPr>
+          <p:cNvPicPr>
+            <a:picLocks noChangeAspect="1"/>
+          </p:cNvPicPr>
+          <p:nvPr/>
+        </p:nvPicPr>
+        <p:blipFill>
+          <a:blip r:embed="rId4"/>
+          <a:stretch>
+            <a:fillRect/>
+          </a:stretch>
+        </p:blipFill>
+        <p:spPr>
+          <a:xfrm>
+            <a:off x="2213768" y="2696599"/>
+            <a:ext cx="7127081" cy="1252055"/>
+          </a:xfrm>
+          <a:prstGeom prst="rect">
+            <a:avLst/>
+          </a:prstGeom>
+        </p:spPr>
+      </p:pic>
+      <p:pic>
+        <p:nvPicPr>
+          <p:cNvPr id="7" name="Bilde 6">
+            <a:extLst>
+              <a:ext uri="{FF2B5EF4-FFF2-40B4-BE49-F238E27FC236}">
+                <a16:creationId xmlns:a16="http://schemas.microsoft.com/office/drawing/2014/main" id="{3EC1AAD0-DB92-8844-BB18-EDC2BB280E3D}"/>
+              </a:ext>
+            </a:extLst>
+          </p:cNvPr>
+          <p:cNvPicPr>
+            <a:picLocks noChangeAspect="1"/>
+          </p:cNvPicPr>
+          <p:nvPr/>
+        </p:nvPicPr>
+        <p:blipFill>
+          <a:blip r:embed="rId5"/>
+          <a:stretch>
+            <a:fillRect/>
+          </a:stretch>
+        </p:blipFill>
+        <p:spPr>
+          <a:xfrm>
+            <a:off x="2213768" y="4646276"/>
+            <a:ext cx="5702301" cy="2211724"/>
+          </a:xfrm>
+          <a:prstGeom prst="rect">
+            <a:avLst/>
+          </a:prstGeom>
+        </p:spPr>
+      </p:pic>
     </p:spTree>
     <p:extLst>
       <p:ext uri="{BB962C8B-B14F-4D97-AF65-F5344CB8AC3E}">
-        <p14:creationId xmlns:p14="http://schemas.microsoft.com/office/powerpoint/2010/main" val="1468030196"/>
+        <p14:creationId xmlns:p14="http://schemas.microsoft.com/office/powerpoint/2010/main" val="2639430380"/>
       </p:ext>
     </p:extLst>
   </p:cSld>
@@ -5032,7 +5723,7 @@
           <p:cNvPr id="2" name="Tittel 1">
             <a:extLst>
               <a:ext uri="{FF2B5EF4-FFF2-40B4-BE49-F238E27FC236}">
-                <a16:creationId xmlns:a16="http://schemas.microsoft.com/office/drawing/2014/main" id="{5C75FA1D-77DB-504D-8DD7-DF6FD86612F5}"/>
+                <a16:creationId xmlns:a16="http://schemas.microsoft.com/office/drawing/2014/main" id="{E6721003-3D2F-9048-90DC-689C2F05A4CA}"/>
               </a:ext>
             </a:extLst>
           </p:cNvPr>
@@ -5043,14 +5734,27 @@
             <p:ph type="title"/>
           </p:nvPr>
         </p:nvSpPr>
-        <p:spPr/>
+        <p:spPr>
+          <a:xfrm>
+            <a:off x="1066800" y="381191"/>
+            <a:ext cx="10058400" cy="1609344"/>
+          </a:xfrm>
+        </p:spPr>
         <p:txBody>
           <a:bodyPr/>
           <a:lstStyle/>
           <a:p>
             <a:r>
               <a:rPr lang="en-US" dirty="0"/>
-              <a:t>Results: Training the QBM</a:t>
+              <a:t>Benchmark: Generation of </a:t>
+            </a:r>
+            <a:r>
+              <a:rPr lang="en-US" dirty="0" err="1"/>
+              <a:t>gibbs</a:t>
+            </a:r>
+            <a:r>
+              <a:rPr lang="en-US" dirty="0"/>
+              <a:t> states</a:t>
             </a:r>
           </a:p>
         </p:txBody>
@@ -5060,7 +5764,7 @@
           <p:cNvPr id="3" name="Plassholder for innhold 2">
             <a:extLst>
               <a:ext uri="{FF2B5EF4-FFF2-40B4-BE49-F238E27FC236}">
-                <a16:creationId xmlns:a16="http://schemas.microsoft.com/office/drawing/2014/main" id="{C0D773BA-EE7C-8841-983F-50A53FBB1921}"/>
+                <a16:creationId xmlns:a16="http://schemas.microsoft.com/office/drawing/2014/main" id="{3A0021F7-082D-A04B-8C52-2309B8EF0306}"/>
               </a:ext>
             </a:extLst>
           </p:cNvPr>
@@ -5071,54 +5775,149 @@
             <p:ph idx="1"/>
           </p:nvPr>
         </p:nvSpPr>
-        <p:spPr/>
-        <p:txBody>
-          <a:bodyPr/>
+        <p:spPr>
+          <a:xfrm>
+            <a:off x="1066800" y="2371726"/>
+            <a:ext cx="10058400" cy="4986337"/>
+          </a:xfrm>
+        </p:spPr>
+        <p:txBody>
+          <a:bodyPr>
+            <a:normAutofit/>
+          </a:bodyPr>
           <a:lstStyle/>
           <a:p>
+            <a:pPr marL="0" indent="0">
+              <a:buNone/>
+            </a:pPr>
+            <a:endParaRPr lang="en-US" dirty="0"/>
+          </a:p>
+          <a:p>
             <a:r>
               <a:rPr lang="en-US" dirty="0"/>
-              <a:t>Hamiltonian </a:t>
-            </a:r>
-            <a:r>
-              <a:rPr lang="en-US" dirty="0" err="1"/>
-              <a:t>zz</a:t>
-            </a:r>
+              <a:t>Hamiltonians: 				      Trial circuits:</a:t>
+            </a:r>
+          </a:p>
+          <a:p>
+            <a:pPr lvl="1"/>
             <a:r>
               <a:rPr lang="en-US" dirty="0"/>
-              <a:t> and stuff like that</a:t>
-            </a:r>
-          </a:p>
-          <a:p>
+              <a:t> .</a:t>
+            </a:r>
+          </a:p>
+          <a:p>
+            <a:pPr lvl="1"/>
             <a:r>
               <a:rPr lang="en-US" dirty="0"/>
-              <a:t>Uniform distribution [-1,1]</a:t>
-            </a:r>
+              <a:t> .</a:t>
+            </a:r>
+          </a:p>
+          <a:p>
+            <a:pPr marL="0" indent="0">
+              <a:buNone/>
+            </a:pPr>
+            <a:endParaRPr lang="en-US" dirty="0"/>
           </a:p>
           <a:p>
             <a:r>
               <a:rPr lang="en-US" dirty="0"/>
-              <a:t>Adam optimizer, learning rate=0.1</a:t>
-            </a:r>
-          </a:p>
-          <a:p>
+              <a:t>Two ways:</a:t>
+            </a:r>
+          </a:p>
+          <a:p>
+            <a:pPr lvl="1"/>
             <a:r>
               <a:rPr lang="en-US" dirty="0"/>
-              <a:t>Ansatz or trial circuit form article</a:t>
-            </a:r>
-          </a:p>
-          <a:p>
+              <a:t>1. Following the article:</a:t>
+            </a:r>
+          </a:p>
+          <a:p>
+            <a:pPr lvl="2"/>
             <a:r>
               <a:rPr lang="en-US" dirty="0"/>
-              <a:t>Without finetuning and doing a search for optimal parameters</a:t>
-            </a:r>
-          </a:p>
-        </p:txBody>
-      </p:sp>
+              <a:t>Fidelities with analytical solution: H1: 0.82 and H2: 0.96</a:t>
+            </a:r>
+          </a:p>
+          <a:p>
+            <a:pPr lvl="1"/>
+            <a:r>
+              <a:rPr lang="en-US" dirty="0"/>
+              <a:t>2. Implementing C by ignoring the factor without a derivative</a:t>
+            </a:r>
+          </a:p>
+          <a:p>
+            <a:pPr lvl="2"/>
+            <a:r>
+              <a:rPr lang="en-US" dirty="0"/>
+              <a:t>Fidelities with analytical solution: H1: 0.99 and H2: 0.98 (Not entirely sure why this work)</a:t>
+            </a:r>
+          </a:p>
+        </p:txBody>
+      </p:sp>
+      <p:pic>
+        <p:nvPicPr>
+          <p:cNvPr id="4" name="Bilde 3">
+            <a:extLst>
+              <a:ext uri="{FF2B5EF4-FFF2-40B4-BE49-F238E27FC236}">
+                <a16:creationId xmlns:a16="http://schemas.microsoft.com/office/drawing/2014/main" id="{41572E92-562C-D94B-B0B7-F1DD437F7B45}"/>
+              </a:ext>
+            </a:extLst>
+          </p:cNvPr>
+          <p:cNvPicPr>
+            <a:picLocks noChangeAspect="1"/>
+          </p:cNvPicPr>
+          <p:nvPr/>
+        </p:nvPicPr>
+        <p:blipFill>
+          <a:blip r:embed="rId2"/>
+          <a:stretch>
+            <a:fillRect/>
+          </a:stretch>
+        </p:blipFill>
+        <p:spPr>
+          <a:xfrm>
+            <a:off x="7600950" y="2220860"/>
+            <a:ext cx="4107655" cy="2715664"/>
+          </a:xfrm>
+          <a:prstGeom prst="rect">
+            <a:avLst/>
+          </a:prstGeom>
+        </p:spPr>
+      </p:pic>
+      <p:pic>
+        <p:nvPicPr>
+          <p:cNvPr id="5" name="Bilde 4">
+            <a:extLst>
+              <a:ext uri="{FF2B5EF4-FFF2-40B4-BE49-F238E27FC236}">
+                <a16:creationId xmlns:a16="http://schemas.microsoft.com/office/drawing/2014/main" id="{A3C9B852-82F6-8543-B5F9-55D3A2B3FA5A}"/>
+              </a:ext>
+            </a:extLst>
+          </p:cNvPr>
+          <p:cNvPicPr>
+            <a:picLocks noChangeAspect="1"/>
+          </p:cNvPicPr>
+          <p:nvPr/>
+        </p:nvPicPr>
+        <p:blipFill>
+          <a:blip r:embed="rId3"/>
+          <a:stretch>
+            <a:fillRect/>
+          </a:stretch>
+        </p:blipFill>
+        <p:spPr>
+          <a:xfrm>
+            <a:off x="1651399" y="3174665"/>
+            <a:ext cx="4307681" cy="537246"/>
+          </a:xfrm>
+          <a:prstGeom prst="rect">
+            <a:avLst/>
+          </a:prstGeom>
+        </p:spPr>
+      </p:pic>
     </p:spTree>
     <p:extLst>
       <p:ext uri="{BB962C8B-B14F-4D97-AF65-F5344CB8AC3E}">
-        <p14:creationId xmlns:p14="http://schemas.microsoft.com/office/powerpoint/2010/main" val="3701771315"/>
+        <p14:creationId xmlns:p14="http://schemas.microsoft.com/office/powerpoint/2010/main" val="1468030196"/>
       </p:ext>
     </p:extLst>
   </p:cSld>
@@ -5150,7 +5949,7 @@
           <p:cNvPr id="2" name="Tittel 1">
             <a:extLst>
               <a:ext uri="{FF2B5EF4-FFF2-40B4-BE49-F238E27FC236}">
-                <a16:creationId xmlns:a16="http://schemas.microsoft.com/office/drawing/2014/main" id="{23E9DC23-426F-F941-81D9-7E0A46246629}"/>
+                <a16:creationId xmlns:a16="http://schemas.microsoft.com/office/drawing/2014/main" id="{5C75FA1D-77DB-504D-8DD7-DF6FD86612F5}"/>
               </a:ext>
             </a:extLst>
           </p:cNvPr>
@@ -5168,7 +5967,7 @@
           <a:p>
             <a:r>
               <a:rPr lang="en-US" dirty="0"/>
-              <a:t>Results</a:t>
+              <a:t>Results: Training the QBM</a:t>
             </a:r>
           </a:p>
         </p:txBody>
@@ -5178,7 +5977,7 @@
           <p:cNvPr id="3" name="Plassholder for innhold 2">
             <a:extLst>
               <a:ext uri="{FF2B5EF4-FFF2-40B4-BE49-F238E27FC236}">
-                <a16:creationId xmlns:a16="http://schemas.microsoft.com/office/drawing/2014/main" id="{AFD9E765-988A-2547-B666-829A7AE674C2}"/>
+                <a16:creationId xmlns:a16="http://schemas.microsoft.com/office/drawing/2014/main" id="{C0D773BA-EE7C-8841-983F-50A53FBB1921}"/>
               </a:ext>
             </a:extLst>
           </p:cNvPr>
@@ -5189,20 +5988,97 @@
             <p:ph idx="1"/>
           </p:nvPr>
         </p:nvSpPr>
-        <p:spPr/>
+        <p:spPr>
+          <a:xfrm>
+            <a:off x="1069848" y="2121408"/>
+            <a:ext cx="11122152" cy="4050792"/>
+          </a:xfrm>
+        </p:spPr>
         <p:txBody>
           <a:bodyPr/>
           <a:lstStyle/>
           <a:p>
             <a:r>
               <a:rPr lang="en-US" dirty="0"/>
-              <a:t>Not optimal, but think it will increase by finding optimal parameters</a:t>
+              <a:t>Reproduce Bell state</a:t>
             </a:r>
           </a:p>
           <a:p>
             <a:r>
               <a:rPr lang="en-US" dirty="0"/>
-              <a:t>Insert plots</a:t>
+              <a:t>Hamiltonian: H= 𝛳</a:t>
+            </a:r>
+            <a:r>
+              <a:rPr lang="en-US" baseline="-25000" dirty="0"/>
+              <a:t>0 </a:t>
+            </a:r>
+            <a:r>
+              <a:rPr lang="en-US" dirty="0"/>
+              <a:t>Z I+𝛳</a:t>
+            </a:r>
+            <a:r>
+              <a:rPr lang="en-US" baseline="-25000" dirty="0"/>
+              <a:t>1 </a:t>
+            </a:r>
+            <a:r>
+              <a:rPr lang="en-US" dirty="0"/>
+              <a:t>I Z+𝛳</a:t>
+            </a:r>
+            <a:r>
+              <a:rPr lang="en-US" baseline="-25000" dirty="0"/>
+              <a:t>2 </a:t>
+            </a:r>
+            <a:r>
+              <a:rPr lang="en-US" dirty="0"/>
+              <a:t>Z I +𝛳</a:t>
+            </a:r>
+            <a:r>
+              <a:rPr lang="en-US" baseline="-25000" dirty="0"/>
+              <a:t>3 </a:t>
+            </a:r>
+            <a:r>
+              <a:rPr lang="en-US" dirty="0"/>
+              <a:t>I Z (See now that this equals 𝛳</a:t>
+            </a:r>
+            <a:r>
+              <a:rPr lang="en-US" baseline="-25000" dirty="0"/>
+              <a:t>3 </a:t>
+            </a:r>
+            <a:r>
+              <a:rPr lang="en-US" dirty="0"/>
+              <a:t>Z I+𝛳</a:t>
+            </a:r>
+            <a:r>
+              <a:rPr lang="en-US" baseline="-25000" dirty="0"/>
+              <a:t>4 </a:t>
+            </a:r>
+            <a:r>
+              <a:rPr lang="en-US" dirty="0"/>
+              <a:t>I Z )</a:t>
+            </a:r>
+          </a:p>
+          <a:p>
+            <a:r>
+              <a:rPr lang="en-US" dirty="0"/>
+              <a:t>Uniform distribution [-0.5,0.5]</a:t>
+            </a:r>
+          </a:p>
+          <a:p>
+            <a:r>
+              <a:rPr lang="en-US" dirty="0"/>
+              <a:t>Adam optimizer, learning rate=0.1</a:t>
+            </a:r>
+          </a:p>
+          <a:p>
+            <a:r>
+              <a:rPr lang="en-US" dirty="0"/>
+              <a:t>Ansatz 2</a:t>
+            </a:r>
+          </a:p>
+          <a:p>
+            <a:r>
+              <a:rPr lang="en-US" dirty="0"/>
+              <a:t>(Without finetuning and optimal parameters)</a:t>
             </a:r>
           </a:p>
         </p:txBody>
@@ -5210,7 +6086,7 @@
     </p:spTree>
     <p:extLst>
       <p:ext uri="{BB962C8B-B14F-4D97-AF65-F5344CB8AC3E}">
-        <p14:creationId xmlns:p14="http://schemas.microsoft.com/office/powerpoint/2010/main" val="783526603"/>
+        <p14:creationId xmlns:p14="http://schemas.microsoft.com/office/powerpoint/2010/main" val="3701771315"/>
       </p:ext>
     </p:extLst>
   </p:cSld>
@@ -5242,6 +6118,92 @@
           <p:cNvPr id="2" name="Tittel 1">
             <a:extLst>
               <a:ext uri="{FF2B5EF4-FFF2-40B4-BE49-F238E27FC236}">
+                <a16:creationId xmlns:a16="http://schemas.microsoft.com/office/drawing/2014/main" id="{23E9DC23-426F-F941-81D9-7E0A46246629}"/>
+              </a:ext>
+            </a:extLst>
+          </p:cNvPr>
+          <p:cNvSpPr>
+            <a:spLocks noGrp="1"/>
+          </p:cNvSpPr>
+          <p:nvPr>
+            <p:ph type="title"/>
+          </p:nvPr>
+        </p:nvSpPr>
+        <p:spPr/>
+        <p:txBody>
+          <a:bodyPr/>
+          <a:lstStyle/>
+          <a:p>
+            <a:r>
+              <a:rPr lang="en-US" dirty="0"/>
+              <a:t>Results</a:t>
+            </a:r>
+          </a:p>
+        </p:txBody>
+      </p:sp>
+      <p:sp>
+        <p:nvSpPr>
+          <p:cNvPr id="3" name="Plassholder for innhold 2">
+            <a:extLst>
+              <a:ext uri="{FF2B5EF4-FFF2-40B4-BE49-F238E27FC236}">
+                <a16:creationId xmlns:a16="http://schemas.microsoft.com/office/drawing/2014/main" id="{AFD9E765-988A-2547-B666-829A7AE674C2}"/>
+              </a:ext>
+            </a:extLst>
+          </p:cNvPr>
+          <p:cNvSpPr>
+            <a:spLocks noGrp="1"/>
+          </p:cNvSpPr>
+          <p:nvPr>
+            <p:ph idx="1"/>
+          </p:nvPr>
+        </p:nvSpPr>
+        <p:spPr/>
+        <p:txBody>
+          <a:bodyPr/>
+          <a:lstStyle/>
+          <a:p>
+            <a:pPr marL="0" indent="0">
+              <a:buNone/>
+            </a:pPr>
+            <a:endParaRPr lang="en-US" dirty="0"/>
+          </a:p>
+        </p:txBody>
+      </p:sp>
+    </p:spTree>
+    <p:extLst>
+      <p:ext uri="{BB962C8B-B14F-4D97-AF65-F5344CB8AC3E}">
+        <p14:creationId xmlns:p14="http://schemas.microsoft.com/office/powerpoint/2010/main" val="783526603"/>
+      </p:ext>
+    </p:extLst>
+  </p:cSld>
+  <p:clrMapOvr>
+    <a:masterClrMapping/>
+  </p:clrMapOvr>
+</p:sld>
+</file>
+
+<file path=ppt/slides/slide9.xml><?xml version="1.0" encoding="utf-8"?>
+<p:sld xmlns:a="http://schemas.openxmlformats.org/drawingml/2006/main" xmlns:r="http://schemas.openxmlformats.org/officeDocument/2006/relationships" xmlns:p="http://schemas.openxmlformats.org/presentationml/2006/main">
+  <p:cSld>
+    <p:spTree>
+      <p:nvGrpSpPr>
+        <p:cNvPr id="1" name=""/>
+        <p:cNvGrpSpPr/>
+        <p:nvPr/>
+      </p:nvGrpSpPr>
+      <p:grpSpPr>
+        <a:xfrm>
+          <a:off x="0" y="0"/>
+          <a:ext cx="0" cy="0"/>
+          <a:chOff x="0" y="0"/>
+          <a:chExt cx="0" cy="0"/>
+        </a:xfrm>
+      </p:grpSpPr>
+      <p:sp>
+        <p:nvSpPr>
+          <p:cNvPr id="2" name="Tittel 1">
+            <a:extLst>
+              <a:ext uri="{FF2B5EF4-FFF2-40B4-BE49-F238E27FC236}">
                 <a16:creationId xmlns:a16="http://schemas.microsoft.com/office/drawing/2014/main" id="{8BE80C6B-C0AE-3E40-9348-1C890F8FC3B5}"/>
               </a:ext>
             </a:extLst>
@@ -5281,24 +6243,182 @@
             <p:ph idx="1"/>
           </p:nvPr>
         </p:nvSpPr>
-        <p:spPr/>
+        <p:spPr>
+          <a:xfrm>
+            <a:off x="1069848" y="1585913"/>
+            <a:ext cx="10058400" cy="4586287"/>
+          </a:xfrm>
+        </p:spPr>
         <p:txBody>
           <a:bodyPr/>
           <a:lstStyle/>
           <a:p>
             <a:r>
               <a:rPr lang="en-US" dirty="0"/>
-              <a:t>Not entirely sure which direction I’ll be going but a start could be to reproduce all results from the article, in addition to trying to overcome the results achieved on the fraud dataset in the article, by testing some more powerful Hamiltonians, because they used this:</a:t>
+              <a:t>Reproduce all results from the article</a:t>
             </a:r>
           </a:p>
           <a:p>
             <a:r>
               <a:rPr lang="en-US" dirty="0"/>
-              <a:t>Insert image of Hamiltonians</a:t>
-            </a:r>
-          </a:p>
-        </p:txBody>
-      </p:sp>
+              <a:t>Classical implementation</a:t>
+            </a:r>
+          </a:p>
+          <a:p>
+            <a:r>
+              <a:rPr lang="en-US" dirty="0"/>
+              <a:t>Quantum mechanical problems</a:t>
+            </a:r>
+          </a:p>
+          <a:p>
+            <a:r>
+              <a:rPr lang="en-US" dirty="0"/>
+              <a:t>Might try to overcome results from the article </a:t>
+            </a:r>
+          </a:p>
+          <a:p>
+            <a:pPr marL="0" indent="0">
+              <a:buNone/>
+            </a:pPr>
+            <a:r>
+              <a:rPr lang="en-US" dirty="0"/>
+              <a:t>achieved on the fraud dataset by testing some </a:t>
+            </a:r>
+          </a:p>
+          <a:p>
+            <a:pPr marL="0" indent="0">
+              <a:buNone/>
+            </a:pPr>
+            <a:r>
+              <a:rPr lang="en-US" dirty="0"/>
+              <a:t>more powerful Hamiltonians, these were used:</a:t>
+            </a:r>
+          </a:p>
+          <a:p>
+            <a:endParaRPr lang="en-US" dirty="0"/>
+          </a:p>
+        </p:txBody>
+      </p:sp>
+      <p:pic>
+        <p:nvPicPr>
+          <p:cNvPr id="4" name="Bilde 3">
+            <a:extLst>
+              <a:ext uri="{FF2B5EF4-FFF2-40B4-BE49-F238E27FC236}">
+                <a16:creationId xmlns:a16="http://schemas.microsoft.com/office/drawing/2014/main" id="{C5885309-8735-A544-92B4-A9FBD7DB2BD2}"/>
+              </a:ext>
+            </a:extLst>
+          </p:cNvPr>
+          <p:cNvPicPr>
+            <a:picLocks noChangeAspect="1"/>
+          </p:cNvPicPr>
+          <p:nvPr/>
+        </p:nvPicPr>
+        <p:blipFill>
+          <a:blip r:embed="rId2"/>
+          <a:stretch>
+            <a:fillRect/>
+          </a:stretch>
+        </p:blipFill>
+        <p:spPr>
+          <a:xfrm>
+            <a:off x="6929439" y="1057984"/>
+            <a:ext cx="4805362" cy="4681238"/>
+          </a:xfrm>
+          <a:prstGeom prst="rect">
+            <a:avLst/>
+          </a:prstGeom>
+        </p:spPr>
+      </p:pic>
+      <p:pic>
+        <p:nvPicPr>
+          <p:cNvPr id="5" name="Bilde 4">
+            <a:extLst>
+              <a:ext uri="{FF2B5EF4-FFF2-40B4-BE49-F238E27FC236}">
+                <a16:creationId xmlns:a16="http://schemas.microsoft.com/office/drawing/2014/main" id="{D1660AFA-A4CC-CD49-9876-5DA4667F0C40}"/>
+              </a:ext>
+            </a:extLst>
+          </p:cNvPr>
+          <p:cNvPicPr>
+            <a:picLocks noChangeAspect="1"/>
+          </p:cNvPicPr>
+          <p:nvPr/>
+        </p:nvPicPr>
+        <p:blipFill>
+          <a:blip r:embed="rId3"/>
+          <a:stretch>
+            <a:fillRect/>
+          </a:stretch>
+        </p:blipFill>
+        <p:spPr>
+          <a:xfrm>
+            <a:off x="1178056" y="4134747"/>
+            <a:ext cx="3976184" cy="654638"/>
+          </a:xfrm>
+          <a:prstGeom prst="rect">
+            <a:avLst/>
+          </a:prstGeom>
+        </p:spPr>
+      </p:pic>
+      <p:pic>
+        <p:nvPicPr>
+          <p:cNvPr id="6" name="Bilde 5">
+            <a:extLst>
+              <a:ext uri="{FF2B5EF4-FFF2-40B4-BE49-F238E27FC236}">
+                <a16:creationId xmlns:a16="http://schemas.microsoft.com/office/drawing/2014/main" id="{5F69AA5C-1667-5342-8E93-8E1ED3BE3085}"/>
+              </a:ext>
+            </a:extLst>
+          </p:cNvPr>
+          <p:cNvPicPr>
+            <a:picLocks noChangeAspect="1"/>
+          </p:cNvPicPr>
+          <p:nvPr/>
+        </p:nvPicPr>
+        <p:blipFill>
+          <a:blip r:embed="rId4"/>
+          <a:stretch>
+            <a:fillRect/>
+          </a:stretch>
+        </p:blipFill>
+        <p:spPr>
+          <a:xfrm>
+            <a:off x="1156625" y="4924368"/>
+            <a:ext cx="4076197" cy="626000"/>
+          </a:xfrm>
+          <a:prstGeom prst="rect">
+            <a:avLst/>
+          </a:prstGeom>
+        </p:spPr>
+      </p:pic>
+      <p:pic>
+        <p:nvPicPr>
+          <p:cNvPr id="7" name="Bilde 6">
+            <a:extLst>
+              <a:ext uri="{FF2B5EF4-FFF2-40B4-BE49-F238E27FC236}">
+                <a16:creationId xmlns:a16="http://schemas.microsoft.com/office/drawing/2014/main" id="{D12FCA14-CC2D-AF48-8140-AC35390AF544}"/>
+              </a:ext>
+            </a:extLst>
+          </p:cNvPr>
+          <p:cNvPicPr>
+            <a:picLocks noChangeAspect="1"/>
+          </p:cNvPicPr>
+          <p:nvPr/>
+        </p:nvPicPr>
+        <p:blipFill>
+          <a:blip r:embed="rId5"/>
+          <a:stretch>
+            <a:fillRect/>
+          </a:stretch>
+        </p:blipFill>
+        <p:spPr>
+          <a:xfrm>
+            <a:off x="1206632" y="5739222"/>
+            <a:ext cx="3704369" cy="865956"/>
+          </a:xfrm>
+          <a:prstGeom prst="rect">
+            <a:avLst/>
+          </a:prstGeom>
+        </p:spPr>
+      </p:pic>
     </p:spTree>
     <p:extLst>
       <p:ext uri="{BB962C8B-B14F-4D97-AF65-F5344CB8AC3E}">

--- a/docs/varQBMpresentation.pptx
+++ b/docs/varQBMpresentation.pptx
@@ -6129,7 +6129,12 @@
             <p:ph type="title"/>
           </p:nvPr>
         </p:nvSpPr>
-        <p:spPr/>
+        <p:spPr>
+          <a:xfrm>
+            <a:off x="164177" y="65269"/>
+            <a:ext cx="10058400" cy="1609344"/>
+          </a:xfrm>
+        </p:spPr>
         <p:txBody>
           <a:bodyPr/>
           <a:lstStyle/>
@@ -6141,15 +6146,123 @@
           </a:p>
         </p:txBody>
       </p:sp>
-      <p:sp>
-        <p:nvSpPr>
-          <p:cNvPr id="3" name="Plassholder for innhold 2">
+      <p:pic>
+        <p:nvPicPr>
+          <p:cNvPr id="7" name="Bilde 6">
             <a:extLst>
               <a:ext uri="{FF2B5EF4-FFF2-40B4-BE49-F238E27FC236}">
-                <a16:creationId xmlns:a16="http://schemas.microsoft.com/office/drawing/2014/main" id="{AFD9E765-988A-2547-B666-829A7AE674C2}"/>
+                <a16:creationId xmlns:a16="http://schemas.microsoft.com/office/drawing/2014/main" id="{F73611DE-B50D-E841-B9EC-E9E65AAB41D6}"/>
               </a:ext>
             </a:extLst>
           </p:cNvPr>
+          <p:cNvPicPr>
+            <a:picLocks noChangeAspect="1"/>
+          </p:cNvPicPr>
+          <p:nvPr/>
+        </p:nvPicPr>
+        <p:blipFill>
+          <a:blip r:embed="rId2">
+            <a:extLst>
+              <a:ext uri="{28A0092B-C50C-407E-A947-70E740481C1C}">
+                <a14:useLocalDpi xmlns:a14="http://schemas.microsoft.com/office/drawing/2010/main" val="0"/>
+              </a:ext>
+            </a:extLst>
+          </a:blip>
+          <a:stretch>
+            <a:fillRect/>
+          </a:stretch>
+        </p:blipFill>
+        <p:spPr>
+          <a:xfrm>
+            <a:off x="4148287" y="2742398"/>
+            <a:ext cx="3996521" cy="3170024"/>
+          </a:xfrm>
+          <a:prstGeom prst="rect">
+            <a:avLst/>
+          </a:prstGeom>
+        </p:spPr>
+      </p:pic>
+      <p:pic>
+        <p:nvPicPr>
+          <p:cNvPr id="9" name="Bilde 8">
+            <a:extLst>
+              <a:ext uri="{FF2B5EF4-FFF2-40B4-BE49-F238E27FC236}">
+                <a16:creationId xmlns:a16="http://schemas.microsoft.com/office/drawing/2014/main" id="{B85390E5-90D8-C249-A510-465EFB223470}"/>
+              </a:ext>
+            </a:extLst>
+          </p:cNvPr>
+          <p:cNvPicPr>
+            <a:picLocks noChangeAspect="1"/>
+          </p:cNvPicPr>
+          <p:nvPr/>
+        </p:nvPicPr>
+        <p:blipFill>
+          <a:blip r:embed="rId3">
+            <a:extLst>
+              <a:ext uri="{28A0092B-C50C-407E-A947-70E740481C1C}">
+                <a14:useLocalDpi xmlns:a14="http://schemas.microsoft.com/office/drawing/2010/main" val="0"/>
+              </a:ext>
+            </a:extLst>
+          </a:blip>
+          <a:stretch>
+            <a:fillRect/>
+          </a:stretch>
+        </p:blipFill>
+        <p:spPr>
+          <a:xfrm>
+            <a:off x="7965302" y="2742398"/>
+            <a:ext cx="4226698" cy="3170024"/>
+          </a:xfrm>
+          <a:prstGeom prst="rect">
+            <a:avLst/>
+          </a:prstGeom>
+        </p:spPr>
+      </p:pic>
+      <p:pic>
+        <p:nvPicPr>
+          <p:cNvPr id="11" name="Bilde 10">
+            <a:extLst>
+              <a:ext uri="{FF2B5EF4-FFF2-40B4-BE49-F238E27FC236}">
+                <a16:creationId xmlns:a16="http://schemas.microsoft.com/office/drawing/2014/main" id="{70F8D3EE-9BBC-E944-AD90-EA134D936083}"/>
+              </a:ext>
+            </a:extLst>
+          </p:cNvPr>
+          <p:cNvPicPr>
+            <a:picLocks noChangeAspect="1"/>
+          </p:cNvPicPr>
+          <p:nvPr/>
+        </p:nvPicPr>
+        <p:blipFill>
+          <a:blip r:embed="rId4">
+            <a:extLst>
+              <a:ext uri="{28A0092B-C50C-407E-A947-70E740481C1C}">
+                <a14:useLocalDpi xmlns:a14="http://schemas.microsoft.com/office/drawing/2010/main" val="0"/>
+              </a:ext>
+            </a:extLst>
+          </a:blip>
+          <a:stretch>
+            <a:fillRect/>
+          </a:stretch>
+        </p:blipFill>
+        <p:spPr>
+          <a:xfrm>
+            <a:off x="0" y="2742398"/>
+            <a:ext cx="4226699" cy="3170024"/>
+          </a:xfrm>
+          <a:prstGeom prst="rect">
+            <a:avLst/>
+          </a:prstGeom>
+        </p:spPr>
+      </p:pic>
+      <p:sp>
+        <p:nvSpPr>
+          <p:cNvPr id="13" name="Plassholder for innhold 12">
+            <a:extLst>
+              <a:ext uri="{FF2B5EF4-FFF2-40B4-BE49-F238E27FC236}">
+                <a16:creationId xmlns:a16="http://schemas.microsoft.com/office/drawing/2014/main" id="{A2F9A8DA-4348-814D-864C-2478355DF99A}"/>
+              </a:ext>
+            </a:extLst>
+          </p:cNvPr>
           <p:cNvSpPr>
             <a:spLocks noGrp="1"/>
           </p:cNvSpPr>
@@ -6157,15 +6270,26 @@
             <p:ph idx="1"/>
           </p:nvPr>
         </p:nvSpPr>
-        <p:spPr/>
+        <p:spPr>
+          <a:xfrm>
+            <a:off x="164177" y="1133054"/>
+            <a:ext cx="10058400" cy="2600325"/>
+          </a:xfrm>
+        </p:spPr>
         <p:txBody>
           <a:bodyPr/>
           <a:lstStyle/>
           <a:p>
-            <a:pPr marL="0" indent="0">
-              <a:buNone/>
-            </a:pPr>
-            <a:endParaRPr lang="en-US" dirty="0"/>
+            <a:r>
+              <a:rPr lang="en-US" dirty="0"/>
+              <a:t>4 seeds</a:t>
+            </a:r>
+          </a:p>
+          <a:p>
+            <a:r>
+              <a:rPr lang="en-US" dirty="0"/>
+              <a:t>Optimistic</a:t>
+            </a:r>
           </a:p>
         </p:txBody>
       </p:sp>

--- a/docs/varQBMpresentation.pptx
+++ b/docs/varQBMpresentation.pptx
@@ -632,7 +632,7 @@
           <a:p>
             <a:fld id="{83284890-85D2-4D7B-8EF5-15A9C1DB8F42}" type="datetimeFigureOut">
               <a:rPr lang="en-US" smtClean="0"/>
-              <a:t>1/20/22</a:t>
+              <a:t>2/3/22</a:t>
             </a:fld>
             <a:endParaRPr lang="en-US"/>
           </a:p>
@@ -812,7 +812,7 @@
           <a:p>
             <a:fld id="{87157CC2-0FC8-4686-B024-99790E0F5162}" type="datetimeFigureOut">
               <a:rPr lang="en-US" smtClean="0"/>
-              <a:t>1/20/22</a:t>
+              <a:t>2/3/22</a:t>
             </a:fld>
             <a:endParaRPr lang="en-US"/>
           </a:p>
@@ -992,7 +992,7 @@
           <a:p>
             <a:fld id="{F6764DA5-CD3D-4590-A511-FCD3BC7A793E}" type="datetimeFigureOut">
               <a:rPr lang="en-US" smtClean="0"/>
-              <a:t>1/20/22</a:t>
+              <a:t>2/3/22</a:t>
             </a:fld>
             <a:endParaRPr lang="en-US"/>
           </a:p>
@@ -1162,7 +1162,7 @@
           <a:p>
             <a:fld id="{82F5661D-6934-4B32-B92C-470368BF1EC6}" type="datetimeFigureOut">
               <a:rPr lang="en-US" smtClean="0"/>
-              <a:t>1/20/22</a:t>
+              <a:t>2/3/22</a:t>
             </a:fld>
             <a:endParaRPr lang="en-US"/>
           </a:p>
@@ -1483,7 +1483,7 @@
           <a:p>
             <a:fld id="{C6F822A4-8DA6-4447-9B1F-C5DB58435268}" type="datetimeFigureOut">
               <a:rPr lang="en-US" smtClean="0"/>
-              <a:t>1/20/22</a:t>
+              <a:t>2/3/22</a:t>
             </a:fld>
             <a:endParaRPr lang="en-US" dirty="0"/>
           </a:p>
@@ -1944,7 +1944,7 @@
           <a:p>
             <a:fld id="{E548D31E-DCDA-41A7-9C67-C4B11B94D21D}" type="datetimeFigureOut">
               <a:rPr lang="en-US" smtClean="0"/>
-              <a:t>1/20/22</a:t>
+              <a:t>2/3/22</a:t>
             </a:fld>
             <a:endParaRPr lang="en-US"/>
           </a:p>
@@ -2355,7 +2355,7 @@
           <a:p>
             <a:fld id="{9B3762C0-B258-48F1-ADE6-176B4174CCDD}" type="datetimeFigureOut">
               <a:rPr lang="en-US" smtClean="0"/>
-              <a:t>1/20/22</a:t>
+              <a:t>2/3/22</a:t>
             </a:fld>
             <a:endParaRPr lang="en-US"/>
           </a:p>
@@ -2473,7 +2473,7 @@
           <a:p>
             <a:fld id="{677919A6-33EB-49BD-A62F-1FA56B9F9712}" type="datetimeFigureOut">
               <a:rPr lang="en-US" smtClean="0"/>
-              <a:t>1/20/22</a:t>
+              <a:t>2/3/22</a:t>
             </a:fld>
             <a:endParaRPr lang="en-US"/>
           </a:p>
@@ -2591,7 +2591,7 @@
           <a:p>
             <a:fld id="{CA4E7D1B-D673-4CF6-8672-009D42ABD2A0}" type="datetimeFigureOut">
               <a:rPr lang="en-US" smtClean="0"/>
-              <a:t>1/20/22</a:t>
+              <a:t>2/3/22</a:t>
             </a:fld>
             <a:endParaRPr lang="en-US"/>
           </a:p>
@@ -2949,7 +2949,7 @@
           <a:p>
             <a:fld id="{DA16AA21-1863-4931-97CB-99D0A168701B}" type="datetimeFigureOut">
               <a:rPr lang="en-US" smtClean="0"/>
-              <a:t>1/20/22</a:t>
+              <a:t>2/3/22</a:t>
             </a:fld>
             <a:endParaRPr lang="en-US"/>
           </a:p>
@@ -3456,7 +3456,7 @@
           <a:p>
             <a:fld id="{3772C379-9A7C-4C87-A116-CBE9F58B04C5}" type="datetimeFigureOut">
               <a:rPr lang="en-US" smtClean="0"/>
-              <a:t>1/20/22</a:t>
+              <a:t>2/3/22</a:t>
             </a:fld>
             <a:endParaRPr lang="en-US"/>
           </a:p>
@@ -3811,7 +3811,7 @@
           <a:p>
             <a:fld id="{8664C608-40B1-4030-A28D-5B74BC98ADCE}" type="datetimeFigureOut">
               <a:rPr lang="en-US" smtClean="0"/>
-              <a:t>1/20/22</a:t>
+              <a:t>2/3/22</a:t>
             </a:fld>
             <a:endParaRPr lang="en-US" dirty="0"/>
           </a:p>
@@ -5777,7 +5777,7 @@
         </p:nvSpPr>
         <p:spPr>
           <a:xfrm>
-            <a:off x="1066800" y="2371726"/>
+            <a:off x="1066800" y="1685926"/>
             <a:ext cx="10058400" cy="4986337"/>
           </a:xfrm>
         </p:spPr>
@@ -5819,37 +5819,42 @@
             <a:endParaRPr lang="en-US" dirty="0"/>
           </a:p>
           <a:p>
+            <a:endParaRPr lang="en-US" dirty="0"/>
+          </a:p>
+          <a:p>
             <a:r>
               <a:rPr lang="en-US" dirty="0"/>
-              <a:t>Two ways:</a:t>
+              <a:t>10 steps</a:t>
+            </a:r>
+          </a:p>
+          <a:p>
+            <a:r>
+              <a:rPr lang="en-US" dirty="0"/>
+              <a:t>Ridge: Low lambda but not singular</a:t>
             </a:r>
           </a:p>
           <a:p>
             <a:pPr lvl="1"/>
             <a:r>
+              <a:rPr lang="en-US" dirty="0" err="1"/>
+              <a:t>λ</a:t>
+            </a:r>
+            <a:r>
               <a:rPr lang="en-US" dirty="0"/>
-              <a:t>1. Following the article:</a:t>
+              <a:t> with the least loss</a:t>
+            </a:r>
+          </a:p>
+          <a:p>
+            <a:r>
+              <a:rPr lang="en-US" dirty="0"/>
+              <a:t>Fidelity compared to analytical solution: </a:t>
             </a:r>
           </a:p>
           <a:p>
             <a:pPr lvl="2"/>
             <a:r>
               <a:rPr lang="en-US" dirty="0"/>
-              <a:t>Fidelities with analytical solution: H1: 0.82 and H2: 0.96</a:t>
-            </a:r>
-          </a:p>
-          <a:p>
-            <a:pPr lvl="1"/>
-            <a:r>
-              <a:rPr lang="en-US" dirty="0"/>
-              <a:t>2. Implementing C by ignoring the factor without a derivative</a:t>
-            </a:r>
-          </a:p>
-          <a:p>
-            <a:pPr lvl="2"/>
-            <a:r>
-              <a:rPr lang="en-US" dirty="0"/>
-              <a:t>Fidelities with analytical solution: H1: 0.99 and H2: 0.98 (Not entirely sure why this work)</a:t>
+              <a:t>H1: 0.98 and H2: 1.0</a:t>
             </a:r>
           </a:p>
         </p:txBody>
@@ -5876,8 +5881,8 @@
         </p:blipFill>
         <p:spPr>
           <a:xfrm>
-            <a:off x="7600950" y="2220860"/>
-            <a:ext cx="4107655" cy="2715664"/>
+            <a:off x="8031480" y="1167732"/>
+            <a:ext cx="3420346" cy="2261268"/>
           </a:xfrm>
           <a:prstGeom prst="rect">
             <a:avLst/>
@@ -5906,8 +5911,44 @@
         </p:blipFill>
         <p:spPr>
           <a:xfrm>
-            <a:off x="1651399" y="3174665"/>
+            <a:off x="1620919" y="2504105"/>
             <a:ext cx="4307681" cy="537246"/>
+          </a:xfrm>
+          <a:prstGeom prst="rect">
+            <a:avLst/>
+          </a:prstGeom>
+        </p:spPr>
+      </p:pic>
+      <p:pic>
+        <p:nvPicPr>
+          <p:cNvPr id="7" name="Bilde 6">
+            <a:extLst>
+              <a:ext uri="{FF2B5EF4-FFF2-40B4-BE49-F238E27FC236}">
+                <a16:creationId xmlns:a16="http://schemas.microsoft.com/office/drawing/2014/main" id="{C954B7F5-3A68-2F44-AD66-D752F37836A2}"/>
+              </a:ext>
+            </a:extLst>
+          </p:cNvPr>
+          <p:cNvPicPr>
+            <a:picLocks noChangeAspect="1"/>
+          </p:cNvPicPr>
+          <p:nvPr/>
+        </p:nvPicPr>
+        <p:blipFill>
+          <a:blip r:embed="rId4">
+            <a:extLst>
+              <a:ext uri="{28A0092B-C50C-407E-A947-70E740481C1C}">
+                <a14:useLocalDpi xmlns:a14="http://schemas.microsoft.com/office/drawing/2010/main" val="0"/>
+              </a:ext>
+            </a:extLst>
+          </a:blip>
+          <a:stretch>
+            <a:fillRect/>
+          </a:stretch>
+        </p:blipFill>
+        <p:spPr>
+          <a:xfrm>
+            <a:off x="7669013" y="3475954"/>
+            <a:ext cx="4522987" cy="3392240"/>
           </a:xfrm>
           <a:prstGeom prst="rect">
             <a:avLst/>
@@ -6014,7 +6055,7 @@
             </a:r>
             <a:r>
               <a:rPr lang="en-US" dirty="0"/>
-              <a:t>Z I+𝛳</a:t>
+              <a:t>Z Z+𝛳</a:t>
             </a:r>
             <a:r>
               <a:rPr lang="en-US" baseline="-25000" dirty="0"/>
@@ -6022,7 +6063,7 @@
             </a:r>
             <a:r>
               <a:rPr lang="en-US" dirty="0"/>
-              <a:t>I Z+𝛳</a:t>
+              <a:t>Z I +𝛳</a:t>
             </a:r>
             <a:r>
               <a:rPr lang="en-US" baseline="-25000" dirty="0"/>
@@ -6030,31 +6071,7 @@
             </a:r>
             <a:r>
               <a:rPr lang="en-US" dirty="0"/>
-              <a:t>Z I +𝛳</a:t>
-            </a:r>
-            <a:r>
-              <a:rPr lang="en-US" baseline="-25000" dirty="0"/>
-              <a:t>3 </a:t>
-            </a:r>
-            <a:r>
-              <a:rPr lang="en-US" dirty="0"/>
-              <a:t>I Z (See now that this equals 𝛳</a:t>
-            </a:r>
-            <a:r>
-              <a:rPr lang="en-US" baseline="-25000" dirty="0"/>
-              <a:t>3 </a:t>
-            </a:r>
-            <a:r>
-              <a:rPr lang="en-US" dirty="0"/>
-              <a:t>Z I+𝛳</a:t>
-            </a:r>
-            <a:r>
-              <a:rPr lang="en-US" baseline="-25000" dirty="0"/>
-              <a:t>4 </a:t>
-            </a:r>
-            <a:r>
-              <a:rPr lang="en-US" dirty="0"/>
-              <a:t>I Z )</a:t>
+              <a:t>I Z </a:t>
             </a:r>
           </a:p>
           <a:p>
@@ -6065,8 +6082,12 @@
           </a:p>
           <a:p>
             <a:r>
+              <a:rPr lang="en-US" dirty="0" err="1"/>
+              <a:t>AmsGrad</a:t>
+            </a:r>
+            <a:r>
               <a:rPr lang="en-US" dirty="0"/>
-              <a:t>Adam optimizer, learning rate=0.1</a:t>
+              <a:t> optimizer, learning rate=0.1, m1=0.7, m2=0.99</a:t>
             </a:r>
           </a:p>
           <a:p>
@@ -6280,15 +6301,12 @@
           <a:bodyPr/>
           <a:lstStyle/>
           <a:p>
+            <a:endParaRPr lang="en-US" dirty="0"/>
+          </a:p>
+          <a:p>
             <a:r>
               <a:rPr lang="en-US" dirty="0"/>
-              <a:t>4 seeds</a:t>
-            </a:r>
-          </a:p>
-          <a:p>
-            <a:r>
-              <a:rPr lang="en-US" dirty="0"/>
-              <a:t>Optimistic</a:t>
+              <a:t>1 seeds, target data [0.7, 0.3] and [0.5, 0, 0, 0.5]: </a:t>
             </a:r>
           </a:p>
         </p:txBody>
@@ -6379,19 +6397,19 @@
           <a:p>
             <a:r>
               <a:rPr lang="en-US" dirty="0"/>
-              <a:t>Reproduce all results from the article</a:t>
+              <a:t>Focus a bit on the classical BM</a:t>
             </a:r>
           </a:p>
           <a:p>
             <a:r>
               <a:rPr lang="en-US" dirty="0"/>
-              <a:t>Classical implementation</a:t>
+              <a:t>Finetune both classical- and quantum BM</a:t>
             </a:r>
           </a:p>
           <a:p>
             <a:r>
               <a:rPr lang="en-US" dirty="0"/>
-              <a:t>Quantum mechanical problems</a:t>
+              <a:t>Reproduce more results from the article</a:t>
             </a:r>
           </a:p>
           <a:p>

--- a/docs/varQBMpresentation.pptx
+++ b/docs/varQBMpresentation.pptx
@@ -632,7 +632,7 @@
           <a:p>
             <a:fld id="{83284890-85D2-4D7B-8EF5-15A9C1DB8F42}" type="datetimeFigureOut">
               <a:rPr lang="en-US" smtClean="0"/>
-              <a:t>2/3/22</a:t>
+              <a:t>2/4/22</a:t>
             </a:fld>
             <a:endParaRPr lang="en-US"/>
           </a:p>
@@ -812,7 +812,7 @@
           <a:p>
             <a:fld id="{87157CC2-0FC8-4686-B024-99790E0F5162}" type="datetimeFigureOut">
               <a:rPr lang="en-US" smtClean="0"/>
-              <a:t>2/3/22</a:t>
+              <a:t>2/4/22</a:t>
             </a:fld>
             <a:endParaRPr lang="en-US"/>
           </a:p>
@@ -992,7 +992,7 @@
           <a:p>
             <a:fld id="{F6764DA5-CD3D-4590-A511-FCD3BC7A793E}" type="datetimeFigureOut">
               <a:rPr lang="en-US" smtClean="0"/>
-              <a:t>2/3/22</a:t>
+              <a:t>2/4/22</a:t>
             </a:fld>
             <a:endParaRPr lang="en-US"/>
           </a:p>
@@ -1162,7 +1162,7 @@
           <a:p>
             <a:fld id="{82F5661D-6934-4B32-B92C-470368BF1EC6}" type="datetimeFigureOut">
               <a:rPr lang="en-US" smtClean="0"/>
-              <a:t>2/3/22</a:t>
+              <a:t>2/4/22</a:t>
             </a:fld>
             <a:endParaRPr lang="en-US"/>
           </a:p>
@@ -1483,7 +1483,7 @@
           <a:p>
             <a:fld id="{C6F822A4-8DA6-4447-9B1F-C5DB58435268}" type="datetimeFigureOut">
               <a:rPr lang="en-US" smtClean="0"/>
-              <a:t>2/3/22</a:t>
+              <a:t>2/4/22</a:t>
             </a:fld>
             <a:endParaRPr lang="en-US" dirty="0"/>
           </a:p>
@@ -1944,7 +1944,7 @@
           <a:p>
             <a:fld id="{E548D31E-DCDA-41A7-9C67-C4B11B94D21D}" type="datetimeFigureOut">
               <a:rPr lang="en-US" smtClean="0"/>
-              <a:t>2/3/22</a:t>
+              <a:t>2/4/22</a:t>
             </a:fld>
             <a:endParaRPr lang="en-US"/>
           </a:p>
@@ -2355,7 +2355,7 @@
           <a:p>
             <a:fld id="{9B3762C0-B258-48F1-ADE6-176B4174CCDD}" type="datetimeFigureOut">
               <a:rPr lang="en-US" smtClean="0"/>
-              <a:t>2/3/22</a:t>
+              <a:t>2/4/22</a:t>
             </a:fld>
             <a:endParaRPr lang="en-US"/>
           </a:p>
@@ -2473,7 +2473,7 @@
           <a:p>
             <a:fld id="{677919A6-33EB-49BD-A62F-1FA56B9F9712}" type="datetimeFigureOut">
               <a:rPr lang="en-US" smtClean="0"/>
-              <a:t>2/3/22</a:t>
+              <a:t>2/4/22</a:t>
             </a:fld>
             <a:endParaRPr lang="en-US"/>
           </a:p>
@@ -2591,7 +2591,7 @@
           <a:p>
             <a:fld id="{CA4E7D1B-D673-4CF6-8672-009D42ABD2A0}" type="datetimeFigureOut">
               <a:rPr lang="en-US" smtClean="0"/>
-              <a:t>2/3/22</a:t>
+              <a:t>2/4/22</a:t>
             </a:fld>
             <a:endParaRPr lang="en-US"/>
           </a:p>
@@ -2949,7 +2949,7 @@
           <a:p>
             <a:fld id="{DA16AA21-1863-4931-97CB-99D0A168701B}" type="datetimeFigureOut">
               <a:rPr lang="en-US" smtClean="0"/>
-              <a:t>2/3/22</a:t>
+              <a:t>2/4/22</a:t>
             </a:fld>
             <a:endParaRPr lang="en-US"/>
           </a:p>
@@ -3456,7 +3456,7 @@
           <a:p>
             <a:fld id="{3772C379-9A7C-4C87-A116-CBE9F58B04C5}" type="datetimeFigureOut">
               <a:rPr lang="en-US" smtClean="0"/>
-              <a:t>2/3/22</a:t>
+              <a:t>2/4/22</a:t>
             </a:fld>
             <a:endParaRPr lang="en-US"/>
           </a:p>
@@ -3811,7 +3811,7 @@
           <a:p>
             <a:fld id="{8664C608-40B1-4030-A28D-5B74BC98ADCE}" type="datetimeFigureOut">
               <a:rPr lang="en-US" smtClean="0"/>
-              <a:t>2/3/22</a:t>
+              <a:t>2/4/22</a:t>
             </a:fld>
             <a:endParaRPr lang="en-US" dirty="0"/>
           </a:p>
@@ -6031,7 +6031,7 @@
         </p:nvSpPr>
         <p:spPr>
           <a:xfrm>
-            <a:off x="1069848" y="2121408"/>
+            <a:off x="534924" y="2093976"/>
             <a:ext cx="11122152" cy="4050792"/>
           </a:xfrm>
         </p:spPr>
@@ -6041,7 +6041,7 @@
           <a:p>
             <a:r>
               <a:rPr lang="en-US" dirty="0"/>
-              <a:t>Reproduce Bell state</a:t>
+              <a:t>Reproduce [0.7, 0.3]</a:t>
             </a:r>
           </a:p>
           <a:p>
@@ -6055,23 +6055,7 @@
             </a:r>
             <a:r>
               <a:rPr lang="en-US" dirty="0"/>
-              <a:t>Z Z+𝛳</a:t>
-            </a:r>
-            <a:r>
-              <a:rPr lang="en-US" baseline="-25000" dirty="0"/>
-              <a:t>1 </a:t>
-            </a:r>
-            <a:r>
-              <a:rPr lang="en-US" dirty="0"/>
-              <a:t>Z I +𝛳</a:t>
-            </a:r>
-            <a:r>
-              <a:rPr lang="en-US" baseline="-25000" dirty="0"/>
-              <a:t>2 </a:t>
-            </a:r>
-            <a:r>
-              <a:rPr lang="en-US" dirty="0"/>
-              <a:t>I Z </a:t>
+              <a:t>Z</a:t>
             </a:r>
           </a:p>
           <a:p>
@@ -6087,13 +6071,19 @@
             </a:r>
             <a:r>
               <a:rPr lang="en-US" dirty="0"/>
-              <a:t> optimizer, learning rate=0.1, m1=0.7, m2=0.99</a:t>
+              <a:t> optimizer, </a:t>
             </a:r>
           </a:p>
           <a:p>
             <a:r>
               <a:rPr lang="en-US" dirty="0"/>
-              <a:t>Ansatz 2</a:t>
+              <a:t>learning rate=0.1, m1=0.7, m2=0.99</a:t>
+            </a:r>
+          </a:p>
+          <a:p>
+            <a:r>
+              <a:rPr lang="en-US" dirty="0"/>
+              <a:t>Ansatz 1</a:t>
             </a:r>
           </a:p>
           <a:p>
@@ -6102,77 +6092,20 @@
               <a:t>(Without finetuning and optimal parameters)</a:t>
             </a:r>
           </a:p>
-        </p:txBody>
-      </p:sp>
-    </p:spTree>
-    <p:extLst>
-      <p:ext uri="{BB962C8B-B14F-4D97-AF65-F5344CB8AC3E}">
-        <p14:creationId xmlns:p14="http://schemas.microsoft.com/office/powerpoint/2010/main" val="3701771315"/>
-      </p:ext>
-    </p:extLst>
-  </p:cSld>
-  <p:clrMapOvr>
-    <a:masterClrMapping/>
-  </p:clrMapOvr>
-</p:sld>
-</file>
-
-<file path=ppt/slides/slide8.xml><?xml version="1.0" encoding="utf-8"?>
-<p:sld xmlns:a="http://schemas.openxmlformats.org/drawingml/2006/main" xmlns:r="http://schemas.openxmlformats.org/officeDocument/2006/relationships" xmlns:p="http://schemas.openxmlformats.org/presentationml/2006/main">
-  <p:cSld>
-    <p:spTree>
-      <p:nvGrpSpPr>
-        <p:cNvPr id="1" name=""/>
-        <p:cNvGrpSpPr/>
-        <p:nvPr/>
-      </p:nvGrpSpPr>
-      <p:grpSpPr>
-        <a:xfrm>
-          <a:off x="0" y="0"/>
-          <a:ext cx="0" cy="0"/>
-          <a:chOff x="0" y="0"/>
-          <a:chExt cx="0" cy="0"/>
-        </a:xfrm>
-      </p:grpSpPr>
-      <p:sp>
-        <p:nvSpPr>
-          <p:cNvPr id="2" name="Tittel 1">
+          <a:p>
+            <a:r>
+              <a:rPr lang="en-US" dirty="0"/>
+              <a:t>Blue=L1 norm, Orange=Loss</a:t>
+            </a:r>
+          </a:p>
+        </p:txBody>
+      </p:sp>
+      <p:pic>
+        <p:nvPicPr>
+          <p:cNvPr id="4" name="Bilde 3">
             <a:extLst>
               <a:ext uri="{FF2B5EF4-FFF2-40B4-BE49-F238E27FC236}">
-                <a16:creationId xmlns:a16="http://schemas.microsoft.com/office/drawing/2014/main" id="{23E9DC23-426F-F941-81D9-7E0A46246629}"/>
-              </a:ext>
-            </a:extLst>
-          </p:cNvPr>
-          <p:cNvSpPr>
-            <a:spLocks noGrp="1"/>
-          </p:cNvSpPr>
-          <p:nvPr>
-            <p:ph type="title"/>
-          </p:nvPr>
-        </p:nvSpPr>
-        <p:spPr>
-          <a:xfrm>
-            <a:off x="164177" y="65269"/>
-            <a:ext cx="10058400" cy="1609344"/>
-          </a:xfrm>
-        </p:spPr>
-        <p:txBody>
-          <a:bodyPr/>
-          <a:lstStyle/>
-          <a:p>
-            <a:r>
-              <a:rPr lang="en-US" dirty="0"/>
-              <a:t>Results</a:t>
-            </a:r>
-          </a:p>
-        </p:txBody>
-      </p:sp>
-      <p:pic>
-        <p:nvPicPr>
-          <p:cNvPr id="7" name="Bilde 6">
-            <a:extLst>
-              <a:ext uri="{FF2B5EF4-FFF2-40B4-BE49-F238E27FC236}">
-                <a16:creationId xmlns:a16="http://schemas.microsoft.com/office/drawing/2014/main" id="{F73611DE-B50D-E841-B9EC-E9E65AAB41D6}"/>
+                <a16:creationId xmlns:a16="http://schemas.microsoft.com/office/drawing/2014/main" id="{88BA43E0-F373-F848-8924-1E9835B81506}"/>
               </a:ext>
             </a:extLst>
           </p:cNvPr>
@@ -6195,86 +6128,77 @@
         </p:blipFill>
         <p:spPr>
           <a:xfrm>
-            <a:off x="4148287" y="2742398"/>
-            <a:ext cx="3996521" cy="3170024"/>
+            <a:off x="6061103" y="2093976"/>
+            <a:ext cx="6130897" cy="4598173"/>
           </a:xfrm>
           <a:prstGeom prst="rect">
             <a:avLst/>
           </a:prstGeom>
         </p:spPr>
       </p:pic>
-      <p:pic>
-        <p:nvPicPr>
-          <p:cNvPr id="9" name="Bilde 8">
+    </p:spTree>
+    <p:extLst>
+      <p:ext uri="{BB962C8B-B14F-4D97-AF65-F5344CB8AC3E}">
+        <p14:creationId xmlns:p14="http://schemas.microsoft.com/office/powerpoint/2010/main" val="3701771315"/>
+      </p:ext>
+    </p:extLst>
+  </p:cSld>
+  <p:clrMapOvr>
+    <a:masterClrMapping/>
+  </p:clrMapOvr>
+</p:sld>
+</file>
+
+<file path=ppt/slides/slide8.xml><?xml version="1.0" encoding="utf-8"?>
+<p:sld xmlns:a="http://schemas.openxmlformats.org/drawingml/2006/main" xmlns:r="http://schemas.openxmlformats.org/officeDocument/2006/relationships" xmlns:p="http://schemas.openxmlformats.org/presentationml/2006/main" show="0">
+  <p:cSld>
+    <p:spTree>
+      <p:nvGrpSpPr>
+        <p:cNvPr id="1" name=""/>
+        <p:cNvGrpSpPr/>
+        <p:nvPr/>
+      </p:nvGrpSpPr>
+      <p:grpSpPr>
+        <a:xfrm>
+          <a:off x="0" y="0"/>
+          <a:ext cx="0" cy="0"/>
+          <a:chOff x="0" y="0"/>
+          <a:chExt cx="0" cy="0"/>
+        </a:xfrm>
+      </p:grpSpPr>
+      <p:sp>
+        <p:nvSpPr>
+          <p:cNvPr id="2" name="Tittel 1">
             <a:extLst>
               <a:ext uri="{FF2B5EF4-FFF2-40B4-BE49-F238E27FC236}">
-                <a16:creationId xmlns:a16="http://schemas.microsoft.com/office/drawing/2014/main" id="{B85390E5-90D8-C249-A510-465EFB223470}"/>
+                <a16:creationId xmlns:a16="http://schemas.microsoft.com/office/drawing/2014/main" id="{23E9DC23-426F-F941-81D9-7E0A46246629}"/>
               </a:ext>
             </a:extLst>
           </p:cNvPr>
-          <p:cNvPicPr>
-            <a:picLocks noChangeAspect="1"/>
-          </p:cNvPicPr>
-          <p:nvPr/>
-        </p:nvPicPr>
-        <p:blipFill>
-          <a:blip r:embed="rId3">
-            <a:extLst>
-              <a:ext uri="{28A0092B-C50C-407E-A947-70E740481C1C}">
-                <a14:useLocalDpi xmlns:a14="http://schemas.microsoft.com/office/drawing/2010/main" val="0"/>
-              </a:ext>
-            </a:extLst>
-          </a:blip>
-          <a:stretch>
-            <a:fillRect/>
-          </a:stretch>
-        </p:blipFill>
+          <p:cNvSpPr>
+            <a:spLocks noGrp="1"/>
+          </p:cNvSpPr>
+          <p:nvPr>
+            <p:ph type="title"/>
+          </p:nvPr>
+        </p:nvSpPr>
         <p:spPr>
           <a:xfrm>
-            <a:off x="7965302" y="2742398"/>
-            <a:ext cx="4226698" cy="3170024"/>
-          </a:xfrm>
-          <a:prstGeom prst="rect">
-            <a:avLst/>
-          </a:prstGeom>
-        </p:spPr>
-      </p:pic>
-      <p:pic>
-        <p:nvPicPr>
-          <p:cNvPr id="11" name="Bilde 10">
-            <a:extLst>
-              <a:ext uri="{FF2B5EF4-FFF2-40B4-BE49-F238E27FC236}">
-                <a16:creationId xmlns:a16="http://schemas.microsoft.com/office/drawing/2014/main" id="{70F8D3EE-9BBC-E944-AD90-EA134D936083}"/>
-              </a:ext>
-            </a:extLst>
-          </p:cNvPr>
-          <p:cNvPicPr>
-            <a:picLocks noChangeAspect="1"/>
-          </p:cNvPicPr>
-          <p:nvPr/>
-        </p:nvPicPr>
-        <p:blipFill>
-          <a:blip r:embed="rId4">
-            <a:extLst>
-              <a:ext uri="{28A0092B-C50C-407E-A947-70E740481C1C}">
-                <a14:useLocalDpi xmlns:a14="http://schemas.microsoft.com/office/drawing/2010/main" val="0"/>
-              </a:ext>
-            </a:extLst>
-          </a:blip>
-          <a:stretch>
-            <a:fillRect/>
-          </a:stretch>
-        </p:blipFill>
-        <p:spPr>
-          <a:xfrm>
-            <a:off x="0" y="2742398"/>
-            <a:ext cx="4226699" cy="3170024"/>
-          </a:xfrm>
-          <a:prstGeom prst="rect">
-            <a:avLst/>
-          </a:prstGeom>
-        </p:spPr>
-      </p:pic>
+            <a:off x="164177" y="65269"/>
+            <a:ext cx="10058400" cy="1609344"/>
+          </a:xfrm>
+        </p:spPr>
+        <p:txBody>
+          <a:bodyPr/>
+          <a:lstStyle/>
+          <a:p>
+            <a:r>
+              <a:rPr lang="en-US" dirty="0"/>
+              <a:t>Results</a:t>
+            </a:r>
+          </a:p>
+        </p:txBody>
+      </p:sp>
       <p:sp>
         <p:nvSpPr>
           <p:cNvPr id="13" name="Plassholder for innhold 12">
@@ -6306,7 +6230,37 @@
           <a:p>
             <a:r>
               <a:rPr lang="en-US" dirty="0"/>
-              <a:t>1 seeds, target data [0.7, 0.3] and [0.5, 0, 0, 0.5]: </a:t>
+              <a:t>Hamiltonian: H= 𝛳</a:t>
+            </a:r>
+            <a:r>
+              <a:rPr lang="en-US" baseline="-25000" dirty="0"/>
+              <a:t>0 </a:t>
+            </a:r>
+            <a:r>
+              <a:rPr lang="en-US" dirty="0"/>
+              <a:t>Z Z+𝛳</a:t>
+            </a:r>
+            <a:r>
+              <a:rPr lang="en-US" baseline="-25000" dirty="0"/>
+              <a:t>1 </a:t>
+            </a:r>
+            <a:r>
+              <a:rPr lang="en-US" dirty="0"/>
+              <a:t>Z I +𝛳</a:t>
+            </a:r>
+            <a:r>
+              <a:rPr lang="en-US" baseline="-25000" dirty="0"/>
+              <a:t>2 </a:t>
+            </a:r>
+            <a:r>
+              <a:rPr lang="en-US" dirty="0"/>
+              <a:t>I Z </a:t>
+            </a:r>
+          </a:p>
+          <a:p>
+            <a:r>
+              <a:rPr lang="en-US" dirty="0"/>
+              <a:t>Target: [0.5, 0, 0, 0.5]</a:t>
             </a:r>
           </a:p>
         </p:txBody>

--- a/docs/varQBMpresentation.pptx
+++ b/docs/varQBMpresentation.pptx
@@ -6001,7 +6001,12 @@
             <p:ph type="title"/>
           </p:nvPr>
         </p:nvSpPr>
-        <p:spPr/>
+        <p:spPr>
+          <a:xfrm>
+            <a:off x="91440" y="0"/>
+            <a:ext cx="10058400" cy="1609344"/>
+          </a:xfrm>
+        </p:spPr>
         <p:txBody>
           <a:bodyPr/>
           <a:lstStyle/>
@@ -6077,7 +6082,7 @@
           <a:p>
             <a:r>
               <a:rPr lang="en-US" dirty="0"/>
-              <a:t>learning rate=0.1, m1=0.7, m2=0.99</a:t>
+              <a:t>𝛾=0.1, m1=0.7, m2=0.99</a:t>
             </a:r>
           </a:p>
           <a:p>
@@ -6095,7 +6100,7 @@
           <a:p>
             <a:r>
               <a:rPr lang="en-US" dirty="0"/>
-              <a:t>Blue=L1 norm, Orange=Loss</a:t>
+              <a:t>If 2 plots: Blue=L1 norm, Orange=Loss</a:t>
             </a:r>
           </a:p>
         </p:txBody>
@@ -6128,8 +6133,8 @@
         </p:blipFill>
         <p:spPr>
           <a:xfrm>
-            <a:off x="6061103" y="2093976"/>
-            <a:ext cx="6130897" cy="4598173"/>
+            <a:off x="6370320" y="2465567"/>
+            <a:ext cx="5856577" cy="4392433"/>
           </a:xfrm>
           <a:prstGeom prst="rect">
             <a:avLst/>
@@ -6150,7 +6155,7 @@
 </file>
 
 <file path=ppt/slides/slide8.xml><?xml version="1.0" encoding="utf-8"?>
-<p:sld xmlns:a="http://schemas.openxmlformats.org/drawingml/2006/main" xmlns:r="http://schemas.openxmlformats.org/officeDocument/2006/relationships" xmlns:p="http://schemas.openxmlformats.org/presentationml/2006/main" show="0">
+<p:sld xmlns:a="http://schemas.openxmlformats.org/drawingml/2006/main" xmlns:r="http://schemas.openxmlformats.org/officeDocument/2006/relationships" xmlns:p="http://schemas.openxmlformats.org/presentationml/2006/main">
   <p:cSld>
     <p:spTree>
       <p:nvGrpSpPr>
@@ -6194,7 +6199,7 @@
           <a:p>
             <a:r>
               <a:rPr lang="en-US" dirty="0"/>
-              <a:t>Results</a:t>
+              <a:t>Results: Training the QBM</a:t>
             </a:r>
           </a:p>
         </p:txBody>
@@ -6260,11 +6265,64 @@
           <a:p>
             <a:r>
               <a:rPr lang="en-US" dirty="0"/>
+              <a:t>Ansatz 2</a:t>
+            </a:r>
+          </a:p>
+          <a:p>
+            <a:r>
+              <a:rPr lang="en-US" dirty="0"/>
               <a:t>Target: [0.5, 0, 0, 0.5]</a:t>
             </a:r>
           </a:p>
-        </p:txBody>
-      </p:sp>
+          <a:p>
+            <a:r>
+              <a:rPr lang="en-US" dirty="0"/>
+              <a:t>𝛾=0.1, m1=0.8, m2=0.99</a:t>
+            </a:r>
+          </a:p>
+          <a:p>
+            <a:r>
+              <a:rPr lang="en-US" dirty="0"/>
+              <a:t>2 seeds, both loss</a:t>
+            </a:r>
+          </a:p>
+        </p:txBody>
+      </p:sp>
+      <p:pic>
+        <p:nvPicPr>
+          <p:cNvPr id="6" name="Bilde 5">
+            <a:extLst>
+              <a:ext uri="{FF2B5EF4-FFF2-40B4-BE49-F238E27FC236}">
+                <a16:creationId xmlns:a16="http://schemas.microsoft.com/office/drawing/2014/main" id="{15BF113D-6A37-7A4D-BC59-822B373EFAFC}"/>
+              </a:ext>
+            </a:extLst>
+          </p:cNvPr>
+          <p:cNvPicPr>
+            <a:picLocks noChangeAspect="1"/>
+          </p:cNvPicPr>
+          <p:nvPr/>
+        </p:nvPicPr>
+        <p:blipFill rotWithShape="1">
+          <a:blip r:embed="rId2">
+            <a:extLst>
+              <a:ext uri="{28A0092B-C50C-407E-A947-70E740481C1C}">
+                <a14:useLocalDpi xmlns:a14="http://schemas.microsoft.com/office/drawing/2010/main" val="0"/>
+              </a:ext>
+            </a:extLst>
+          </a:blip>
+          <a:srcRect t="1849" r="29" b="837"/>
+          <a:stretch/>
+        </p:blipFill>
+        <p:spPr>
+          <a:xfrm>
+            <a:off x="4936899" y="1674613"/>
+            <a:ext cx="5868000" cy="4284000"/>
+          </a:xfrm>
+          <a:prstGeom prst="rect">
+            <a:avLst/>
+          </a:prstGeom>
+        </p:spPr>
+      </p:pic>
     </p:spTree>
     <p:extLst>
       <p:ext uri="{BB962C8B-B14F-4D97-AF65-F5344CB8AC3E}">

--- a/docs/varQBMpresentation.pptx
+++ b/docs/varQBMpresentation.pptx
@@ -4,6 +4,9 @@
   <p:sldMasterIdLst>
     <p:sldMasterId id="2147483840" r:id="rId1"/>
   </p:sldMasterIdLst>
+  <p:notesMasterIdLst>
+    <p:notesMasterId r:id="rId16"/>
+  </p:notesMasterIdLst>
   <p:sldIdLst>
     <p:sldId id="256" r:id="rId2"/>
     <p:sldId id="257" r:id="rId3"/>
@@ -14,6 +17,11 @@
     <p:sldId id="258" r:id="rId8"/>
     <p:sldId id="259" r:id="rId9"/>
     <p:sldId id="261" r:id="rId10"/>
+    <p:sldId id="266" r:id="rId11"/>
+    <p:sldId id="267" r:id="rId12"/>
+    <p:sldId id="269" r:id="rId13"/>
+    <p:sldId id="268" r:id="rId14"/>
+    <p:sldId id="270" r:id="rId15"/>
   </p:sldIdLst>
   <p:sldSz cx="12192000" cy="6858000"/>
   <p:notesSz cx="6858000" cy="9144000"/>
@@ -129,6 +137,443 @@
     </p:ext>
   </p:extLst>
 </p:presentation>
+</file>
+
+<file path=ppt/notesMasters/notesMaster1.xml><?xml version="1.0" encoding="utf-8"?>
+<p:notesMaster xmlns:a="http://schemas.openxmlformats.org/drawingml/2006/main" xmlns:r="http://schemas.openxmlformats.org/officeDocument/2006/relationships" xmlns:p="http://schemas.openxmlformats.org/presentationml/2006/main">
+  <p:cSld>
+    <p:bg>
+      <p:bgRef idx="1001">
+        <a:schemeClr val="bg1"/>
+      </p:bgRef>
+    </p:bg>
+    <p:spTree>
+      <p:nvGrpSpPr>
+        <p:cNvPr id="1" name=""/>
+        <p:cNvGrpSpPr/>
+        <p:nvPr/>
+      </p:nvGrpSpPr>
+      <p:grpSpPr>
+        <a:xfrm>
+          <a:off x="0" y="0"/>
+          <a:ext cx="0" cy="0"/>
+          <a:chOff x="0" y="0"/>
+          <a:chExt cx="0" cy="0"/>
+        </a:xfrm>
+      </p:grpSpPr>
+      <p:sp>
+        <p:nvSpPr>
+          <p:cNvPr id="2" name="Plassholder for topptekst 1"/>
+          <p:cNvSpPr>
+            <a:spLocks noGrp="1"/>
+          </p:cNvSpPr>
+          <p:nvPr>
+            <p:ph type="hdr" sz="quarter"/>
+          </p:nvPr>
+        </p:nvSpPr>
+        <p:spPr>
+          <a:xfrm>
+            <a:off x="0" y="0"/>
+            <a:ext cx="2971800" cy="458788"/>
+          </a:xfrm>
+          <a:prstGeom prst="rect">
+            <a:avLst/>
+          </a:prstGeom>
+        </p:spPr>
+        <p:txBody>
+          <a:bodyPr vert="horz" lIns="91440" tIns="45720" rIns="91440" bIns="45720" rtlCol="0"/>
+          <a:lstStyle>
+            <a:lvl1pPr algn="l">
+              <a:defRPr sz="1200"/>
+            </a:lvl1pPr>
+          </a:lstStyle>
+          <a:p>
+            <a:endParaRPr lang="en-US"/>
+          </a:p>
+        </p:txBody>
+      </p:sp>
+      <p:sp>
+        <p:nvSpPr>
+          <p:cNvPr id="3" name="Plassholder for dato 2"/>
+          <p:cNvSpPr>
+            <a:spLocks noGrp="1"/>
+          </p:cNvSpPr>
+          <p:nvPr>
+            <p:ph type="dt" idx="1"/>
+          </p:nvPr>
+        </p:nvSpPr>
+        <p:spPr>
+          <a:xfrm>
+            <a:off x="3884613" y="0"/>
+            <a:ext cx="2971800" cy="458788"/>
+          </a:xfrm>
+          <a:prstGeom prst="rect">
+            <a:avLst/>
+          </a:prstGeom>
+        </p:spPr>
+        <p:txBody>
+          <a:bodyPr vert="horz" lIns="91440" tIns="45720" rIns="91440" bIns="45720" rtlCol="0"/>
+          <a:lstStyle>
+            <a:lvl1pPr algn="r">
+              <a:defRPr sz="1200"/>
+            </a:lvl1pPr>
+          </a:lstStyle>
+          <a:p>
+            <a:fld id="{601CD2AC-1B3F-2043-A2F0-3F43AA566D86}" type="datetimeFigureOut">
+              <a:rPr lang="en-US" smtClean="0"/>
+              <a:t>2/10/22</a:t>
+            </a:fld>
+            <a:endParaRPr lang="en-US"/>
+          </a:p>
+        </p:txBody>
+      </p:sp>
+      <p:sp>
+        <p:nvSpPr>
+          <p:cNvPr id="4" name="Plassholder for lysbilde 3"/>
+          <p:cNvSpPr>
+            <a:spLocks noGrp="1" noRot="1" noChangeAspect="1"/>
+          </p:cNvSpPr>
+          <p:nvPr>
+            <p:ph type="sldImg" idx="2"/>
+          </p:nvPr>
+        </p:nvSpPr>
+        <p:spPr>
+          <a:xfrm>
+            <a:off x="685800" y="1143000"/>
+            <a:ext cx="5486400" cy="3086100"/>
+          </a:xfrm>
+          <a:prstGeom prst="rect">
+            <a:avLst/>
+          </a:prstGeom>
+          <a:noFill/>
+          <a:ln w="12700">
+            <a:solidFill>
+              <a:prstClr val="black"/>
+            </a:solidFill>
+          </a:ln>
+        </p:spPr>
+        <p:txBody>
+          <a:bodyPr vert="horz" lIns="91440" tIns="45720" rIns="91440" bIns="45720" rtlCol="0" anchor="ctr"/>
+          <a:lstStyle/>
+          <a:p>
+            <a:endParaRPr lang="en-US"/>
+          </a:p>
+        </p:txBody>
+      </p:sp>
+      <p:sp>
+        <p:nvSpPr>
+          <p:cNvPr id="5" name="Plassholder for notater 4"/>
+          <p:cNvSpPr>
+            <a:spLocks noGrp="1"/>
+          </p:cNvSpPr>
+          <p:nvPr>
+            <p:ph type="body" sz="quarter" idx="3"/>
+          </p:nvPr>
+        </p:nvSpPr>
+        <p:spPr>
+          <a:xfrm>
+            <a:off x="685800" y="4400550"/>
+            <a:ext cx="5486400" cy="3600450"/>
+          </a:xfrm>
+          <a:prstGeom prst="rect">
+            <a:avLst/>
+          </a:prstGeom>
+        </p:spPr>
+        <p:txBody>
+          <a:bodyPr vert="horz" lIns="91440" tIns="45720" rIns="91440" bIns="45720" rtlCol="0"/>
+          <a:lstStyle/>
+          <a:p>
+            <a:pPr lvl="0"/>
+            <a:r>
+              <a:rPr lang="nb-NO"/>
+              <a:t>Klikk for å redigere tekststiler i malen</a:t>
+            </a:r>
+          </a:p>
+          <a:p>
+            <a:pPr lvl="1"/>
+            <a:r>
+              <a:rPr lang="nb-NO"/>
+              <a:t>Andre nivå</a:t>
+            </a:r>
+          </a:p>
+          <a:p>
+            <a:pPr lvl="2"/>
+            <a:r>
+              <a:rPr lang="nb-NO"/>
+              <a:t>Tredje nivå</a:t>
+            </a:r>
+          </a:p>
+          <a:p>
+            <a:pPr lvl="3"/>
+            <a:r>
+              <a:rPr lang="nb-NO"/>
+              <a:t>Fjerde nivå</a:t>
+            </a:r>
+          </a:p>
+          <a:p>
+            <a:pPr lvl="4"/>
+            <a:r>
+              <a:rPr lang="nb-NO"/>
+              <a:t>Femte nivå</a:t>
+            </a:r>
+            <a:endParaRPr lang="en-US"/>
+          </a:p>
+        </p:txBody>
+      </p:sp>
+      <p:sp>
+        <p:nvSpPr>
+          <p:cNvPr id="6" name="Plassholder for bunntekst 5"/>
+          <p:cNvSpPr>
+            <a:spLocks noGrp="1"/>
+          </p:cNvSpPr>
+          <p:nvPr>
+            <p:ph type="ftr" sz="quarter" idx="4"/>
+          </p:nvPr>
+        </p:nvSpPr>
+        <p:spPr>
+          <a:xfrm>
+            <a:off x="0" y="8685213"/>
+            <a:ext cx="2971800" cy="458787"/>
+          </a:xfrm>
+          <a:prstGeom prst="rect">
+            <a:avLst/>
+          </a:prstGeom>
+        </p:spPr>
+        <p:txBody>
+          <a:bodyPr vert="horz" lIns="91440" tIns="45720" rIns="91440" bIns="45720" rtlCol="0" anchor="b"/>
+          <a:lstStyle>
+            <a:lvl1pPr algn="l">
+              <a:defRPr sz="1200"/>
+            </a:lvl1pPr>
+          </a:lstStyle>
+          <a:p>
+            <a:endParaRPr lang="en-US"/>
+          </a:p>
+        </p:txBody>
+      </p:sp>
+      <p:sp>
+        <p:nvSpPr>
+          <p:cNvPr id="7" name="Plassholder for lysbildenummer 6"/>
+          <p:cNvSpPr>
+            <a:spLocks noGrp="1"/>
+          </p:cNvSpPr>
+          <p:nvPr>
+            <p:ph type="sldNum" sz="quarter" idx="5"/>
+          </p:nvPr>
+        </p:nvSpPr>
+        <p:spPr>
+          <a:xfrm>
+            <a:off x="3884613" y="8685213"/>
+            <a:ext cx="2971800" cy="458787"/>
+          </a:xfrm>
+          <a:prstGeom prst="rect">
+            <a:avLst/>
+          </a:prstGeom>
+        </p:spPr>
+        <p:txBody>
+          <a:bodyPr vert="horz" lIns="91440" tIns="45720" rIns="91440" bIns="45720" rtlCol="0" anchor="b"/>
+          <a:lstStyle>
+            <a:lvl1pPr algn="r">
+              <a:defRPr sz="1200"/>
+            </a:lvl1pPr>
+          </a:lstStyle>
+          <a:p>
+            <a:fld id="{5C6AE4B8-B671-A949-89BB-19DCB2FCCF5B}" type="slidenum">
+              <a:rPr lang="en-US" smtClean="0"/>
+              <a:t>‹#›</a:t>
+            </a:fld>
+            <a:endParaRPr lang="en-US"/>
+          </a:p>
+        </p:txBody>
+      </p:sp>
+    </p:spTree>
+    <p:extLst>
+      <p:ext uri="{BB962C8B-B14F-4D97-AF65-F5344CB8AC3E}">
+        <p14:creationId xmlns:p14="http://schemas.microsoft.com/office/powerpoint/2010/main" val="680694433"/>
+      </p:ext>
+    </p:extLst>
+  </p:cSld>
+  <p:clrMap bg1="lt1" tx1="dk1" bg2="lt2" tx2="dk2" accent1="accent1" accent2="accent2" accent3="accent3" accent4="accent4" accent5="accent5" accent6="accent6" hlink="hlink" folHlink="folHlink"/>
+  <p:notesStyle>
+    <a:lvl1pPr marL="0" algn="l" defTabSz="914400" rtl="0" eaLnBrk="1" latinLnBrk="0" hangingPunct="1">
+      <a:defRPr sz="1200" kern="1200">
+        <a:solidFill>
+          <a:schemeClr val="tx1"/>
+        </a:solidFill>
+        <a:latin typeface="+mn-lt"/>
+        <a:ea typeface="+mn-ea"/>
+        <a:cs typeface="+mn-cs"/>
+      </a:defRPr>
+    </a:lvl1pPr>
+    <a:lvl2pPr marL="457200" algn="l" defTabSz="914400" rtl="0" eaLnBrk="1" latinLnBrk="0" hangingPunct="1">
+      <a:defRPr sz="1200" kern="1200">
+        <a:solidFill>
+          <a:schemeClr val="tx1"/>
+        </a:solidFill>
+        <a:latin typeface="+mn-lt"/>
+        <a:ea typeface="+mn-ea"/>
+        <a:cs typeface="+mn-cs"/>
+      </a:defRPr>
+    </a:lvl2pPr>
+    <a:lvl3pPr marL="914400" algn="l" defTabSz="914400" rtl="0" eaLnBrk="1" latinLnBrk="0" hangingPunct="1">
+      <a:defRPr sz="1200" kern="1200">
+        <a:solidFill>
+          <a:schemeClr val="tx1"/>
+        </a:solidFill>
+        <a:latin typeface="+mn-lt"/>
+        <a:ea typeface="+mn-ea"/>
+        <a:cs typeface="+mn-cs"/>
+      </a:defRPr>
+    </a:lvl3pPr>
+    <a:lvl4pPr marL="1371600" algn="l" defTabSz="914400" rtl="0" eaLnBrk="1" latinLnBrk="0" hangingPunct="1">
+      <a:defRPr sz="1200" kern="1200">
+        <a:solidFill>
+          <a:schemeClr val="tx1"/>
+        </a:solidFill>
+        <a:latin typeface="+mn-lt"/>
+        <a:ea typeface="+mn-ea"/>
+        <a:cs typeface="+mn-cs"/>
+      </a:defRPr>
+    </a:lvl4pPr>
+    <a:lvl5pPr marL="1828800" algn="l" defTabSz="914400" rtl="0" eaLnBrk="1" latinLnBrk="0" hangingPunct="1">
+      <a:defRPr sz="1200" kern="1200">
+        <a:solidFill>
+          <a:schemeClr val="tx1"/>
+        </a:solidFill>
+        <a:latin typeface="+mn-lt"/>
+        <a:ea typeface="+mn-ea"/>
+        <a:cs typeface="+mn-cs"/>
+      </a:defRPr>
+    </a:lvl5pPr>
+    <a:lvl6pPr marL="2286000" algn="l" defTabSz="914400" rtl="0" eaLnBrk="1" latinLnBrk="0" hangingPunct="1">
+      <a:defRPr sz="1200" kern="1200">
+        <a:solidFill>
+          <a:schemeClr val="tx1"/>
+        </a:solidFill>
+        <a:latin typeface="+mn-lt"/>
+        <a:ea typeface="+mn-ea"/>
+        <a:cs typeface="+mn-cs"/>
+      </a:defRPr>
+    </a:lvl6pPr>
+    <a:lvl7pPr marL="2743200" algn="l" defTabSz="914400" rtl="0" eaLnBrk="1" latinLnBrk="0" hangingPunct="1">
+      <a:defRPr sz="1200" kern="1200">
+        <a:solidFill>
+          <a:schemeClr val="tx1"/>
+        </a:solidFill>
+        <a:latin typeface="+mn-lt"/>
+        <a:ea typeface="+mn-ea"/>
+        <a:cs typeface="+mn-cs"/>
+      </a:defRPr>
+    </a:lvl7pPr>
+    <a:lvl8pPr marL="3200400" algn="l" defTabSz="914400" rtl="0" eaLnBrk="1" latinLnBrk="0" hangingPunct="1">
+      <a:defRPr sz="1200" kern="1200">
+        <a:solidFill>
+          <a:schemeClr val="tx1"/>
+        </a:solidFill>
+        <a:latin typeface="+mn-lt"/>
+        <a:ea typeface="+mn-ea"/>
+        <a:cs typeface="+mn-cs"/>
+      </a:defRPr>
+    </a:lvl8pPr>
+    <a:lvl9pPr marL="3657600" algn="l" defTabSz="914400" rtl="0" eaLnBrk="1" latinLnBrk="0" hangingPunct="1">
+      <a:defRPr sz="1200" kern="1200">
+        <a:solidFill>
+          <a:schemeClr val="tx1"/>
+        </a:solidFill>
+        <a:latin typeface="+mn-lt"/>
+        <a:ea typeface="+mn-ea"/>
+        <a:cs typeface="+mn-cs"/>
+      </a:defRPr>
+    </a:lvl9pPr>
+  </p:notesStyle>
+</p:notesMaster>
+</file>
+
+<file path=ppt/notesSlides/notesSlide1.xml><?xml version="1.0" encoding="utf-8"?>
+<p:notes xmlns:a="http://schemas.openxmlformats.org/drawingml/2006/main" xmlns:r="http://schemas.openxmlformats.org/officeDocument/2006/relationships" xmlns:p="http://schemas.openxmlformats.org/presentationml/2006/main">
+  <p:cSld>
+    <p:spTree>
+      <p:nvGrpSpPr>
+        <p:cNvPr id="1" name=""/>
+        <p:cNvGrpSpPr/>
+        <p:nvPr/>
+      </p:nvGrpSpPr>
+      <p:grpSpPr>
+        <a:xfrm>
+          <a:off x="0" y="0"/>
+          <a:ext cx="0" cy="0"/>
+          <a:chOff x="0" y="0"/>
+          <a:chExt cx="0" cy="0"/>
+        </a:xfrm>
+      </p:grpSpPr>
+      <p:sp>
+        <p:nvSpPr>
+          <p:cNvPr id="2" name="Plassholder for lysbilde 1"/>
+          <p:cNvSpPr>
+            <a:spLocks noGrp="1" noRot="1" noChangeAspect="1"/>
+          </p:cNvSpPr>
+          <p:nvPr>
+            <p:ph type="sldImg"/>
+          </p:nvPr>
+        </p:nvSpPr>
+        <p:spPr/>
+      </p:sp>
+      <p:sp>
+        <p:nvSpPr>
+          <p:cNvPr id="3" name="Plassholder for notater 2"/>
+          <p:cNvSpPr>
+            <a:spLocks noGrp="1"/>
+          </p:cNvSpPr>
+          <p:nvPr>
+            <p:ph type="body" idx="1"/>
+          </p:nvPr>
+        </p:nvSpPr>
+        <p:spPr/>
+        <p:txBody>
+          <a:bodyPr/>
+          <a:lstStyle/>
+          <a:p>
+            <a:r>
+              <a:rPr lang="en-US" dirty="0"/>
+              <a:t>lr100.04H2_latest_10_seeds_both.png</a:t>
+            </a:r>
+          </a:p>
+        </p:txBody>
+      </p:sp>
+      <p:sp>
+        <p:nvSpPr>
+          <p:cNvPr id="4" name="Plassholder for lysbildenummer 3"/>
+          <p:cNvSpPr>
+            <a:spLocks noGrp="1"/>
+          </p:cNvSpPr>
+          <p:nvPr>
+            <p:ph type="sldNum" sz="quarter" idx="5"/>
+          </p:nvPr>
+        </p:nvSpPr>
+        <p:spPr/>
+        <p:txBody>
+          <a:bodyPr/>
+          <a:lstStyle/>
+          <a:p>
+            <a:fld id="{5C6AE4B8-B671-A949-89BB-19DCB2FCCF5B}" type="slidenum">
+              <a:rPr lang="en-US" smtClean="0"/>
+              <a:t>13</a:t>
+            </a:fld>
+            <a:endParaRPr lang="en-US"/>
+          </a:p>
+        </p:txBody>
+      </p:sp>
+    </p:spTree>
+    <p:extLst>
+      <p:ext uri="{BB962C8B-B14F-4D97-AF65-F5344CB8AC3E}">
+        <p14:creationId xmlns:p14="http://schemas.microsoft.com/office/powerpoint/2010/main" val="2404045445"/>
+      </p:ext>
+    </p:extLst>
+  </p:cSld>
+  <p:clrMapOvr>
+    <a:masterClrMapping/>
+  </p:clrMapOvr>
+</p:notes>
 </file>
 
 <file path=ppt/slideLayouts/slideLayout1.xml><?xml version="1.0" encoding="utf-8"?>
@@ -632,7 +1077,7 @@
           <a:p>
             <a:fld id="{83284890-85D2-4D7B-8EF5-15A9C1DB8F42}" type="datetimeFigureOut">
               <a:rPr lang="en-US" smtClean="0"/>
-              <a:t>2/4/22</a:t>
+              <a:t>2/10/22</a:t>
             </a:fld>
             <a:endParaRPr lang="en-US"/>
           </a:p>
@@ -812,7 +1257,7 @@
           <a:p>
             <a:fld id="{87157CC2-0FC8-4686-B024-99790E0F5162}" type="datetimeFigureOut">
               <a:rPr lang="en-US" smtClean="0"/>
-              <a:t>2/4/22</a:t>
+              <a:t>2/10/22</a:t>
             </a:fld>
             <a:endParaRPr lang="en-US"/>
           </a:p>
@@ -992,7 +1437,7 @@
           <a:p>
             <a:fld id="{F6764DA5-CD3D-4590-A511-FCD3BC7A793E}" type="datetimeFigureOut">
               <a:rPr lang="en-US" smtClean="0"/>
-              <a:t>2/4/22</a:t>
+              <a:t>2/10/22</a:t>
             </a:fld>
             <a:endParaRPr lang="en-US"/>
           </a:p>
@@ -1162,7 +1607,7 @@
           <a:p>
             <a:fld id="{82F5661D-6934-4B32-B92C-470368BF1EC6}" type="datetimeFigureOut">
               <a:rPr lang="en-US" smtClean="0"/>
-              <a:t>2/4/22</a:t>
+              <a:t>2/10/22</a:t>
             </a:fld>
             <a:endParaRPr lang="en-US"/>
           </a:p>
@@ -1483,7 +1928,7 @@
           <a:p>
             <a:fld id="{C6F822A4-8DA6-4447-9B1F-C5DB58435268}" type="datetimeFigureOut">
               <a:rPr lang="en-US" smtClean="0"/>
-              <a:t>2/4/22</a:t>
+              <a:t>2/10/22</a:t>
             </a:fld>
             <a:endParaRPr lang="en-US" dirty="0"/>
           </a:p>
@@ -1944,7 +2389,7 @@
           <a:p>
             <a:fld id="{E548D31E-DCDA-41A7-9C67-C4B11B94D21D}" type="datetimeFigureOut">
               <a:rPr lang="en-US" smtClean="0"/>
-              <a:t>2/4/22</a:t>
+              <a:t>2/10/22</a:t>
             </a:fld>
             <a:endParaRPr lang="en-US"/>
           </a:p>
@@ -2355,7 +2800,7 @@
           <a:p>
             <a:fld id="{9B3762C0-B258-48F1-ADE6-176B4174CCDD}" type="datetimeFigureOut">
               <a:rPr lang="en-US" smtClean="0"/>
-              <a:t>2/4/22</a:t>
+              <a:t>2/10/22</a:t>
             </a:fld>
             <a:endParaRPr lang="en-US"/>
           </a:p>
@@ -2473,7 +2918,7 @@
           <a:p>
             <a:fld id="{677919A6-33EB-49BD-A62F-1FA56B9F9712}" type="datetimeFigureOut">
               <a:rPr lang="en-US" smtClean="0"/>
-              <a:t>2/4/22</a:t>
+              <a:t>2/10/22</a:t>
             </a:fld>
             <a:endParaRPr lang="en-US"/>
           </a:p>
@@ -2591,7 +3036,7 @@
           <a:p>
             <a:fld id="{CA4E7D1B-D673-4CF6-8672-009D42ABD2A0}" type="datetimeFigureOut">
               <a:rPr lang="en-US" smtClean="0"/>
-              <a:t>2/4/22</a:t>
+              <a:t>2/10/22</a:t>
             </a:fld>
             <a:endParaRPr lang="en-US"/>
           </a:p>
@@ -2949,7 +3394,7 @@
           <a:p>
             <a:fld id="{DA16AA21-1863-4931-97CB-99D0A168701B}" type="datetimeFigureOut">
               <a:rPr lang="en-US" smtClean="0"/>
-              <a:t>2/4/22</a:t>
+              <a:t>2/10/22</a:t>
             </a:fld>
             <a:endParaRPr lang="en-US"/>
           </a:p>
@@ -3456,7 +3901,7 @@
           <a:p>
             <a:fld id="{3772C379-9A7C-4C87-A116-CBE9F58B04C5}" type="datetimeFigureOut">
               <a:rPr lang="en-US" smtClean="0"/>
-              <a:t>2/4/22</a:t>
+              <a:t>2/10/22</a:t>
             </a:fld>
             <a:endParaRPr lang="en-US"/>
           </a:p>
@@ -3811,7 +4256,7 @@
           <a:p>
             <a:fld id="{8664C608-40B1-4030-A28D-5B74BC98ADCE}" type="datetimeFigureOut">
               <a:rPr lang="en-US" smtClean="0"/>
-              <a:t>2/4/22</a:t>
+              <a:t>2/10/22</a:t>
             </a:fld>
             <a:endParaRPr lang="en-US" dirty="0"/>
           </a:p>
@@ -4545,8 +4990,941 @@
 </p:sld>
 </file>
 
+<file path=ppt/slides/slide10.xml><?xml version="1.0" encoding="utf-8"?>
+<p:sld xmlns:a="http://schemas.openxmlformats.org/drawingml/2006/main" xmlns:r="http://schemas.openxmlformats.org/officeDocument/2006/relationships" xmlns:p="http://schemas.openxmlformats.org/presentationml/2006/main">
+  <p:cSld>
+    <p:spTree>
+      <p:nvGrpSpPr>
+        <p:cNvPr id="1" name=""/>
+        <p:cNvGrpSpPr/>
+        <p:nvPr/>
+      </p:nvGrpSpPr>
+      <p:grpSpPr>
+        <a:xfrm>
+          <a:off x="0" y="0"/>
+          <a:ext cx="0" cy="0"/>
+          <a:chOff x="0" y="0"/>
+          <a:chExt cx="0" cy="0"/>
+        </a:xfrm>
+      </p:grpSpPr>
+      <p:sp>
+        <p:nvSpPr>
+          <p:cNvPr id="2" name="Tittel 1">
+            <a:extLst>
+              <a:ext uri="{FF2B5EF4-FFF2-40B4-BE49-F238E27FC236}">
+                <a16:creationId xmlns:a16="http://schemas.microsoft.com/office/drawing/2014/main" id="{A2D5B917-2F99-F343-916E-C6558DE3BFD4}"/>
+              </a:ext>
+            </a:extLst>
+          </p:cNvPr>
+          <p:cNvSpPr>
+            <a:spLocks noGrp="1"/>
+          </p:cNvSpPr>
+          <p:nvPr>
+            <p:ph type="title"/>
+          </p:nvPr>
+        </p:nvSpPr>
+        <p:spPr/>
+        <p:txBody>
+          <a:bodyPr/>
+          <a:lstStyle/>
+          <a:p>
+            <a:r>
+              <a:rPr lang="en-US" dirty="0"/>
+              <a:t>Last week</a:t>
+            </a:r>
+          </a:p>
+        </p:txBody>
+      </p:sp>
+      <p:sp>
+        <p:nvSpPr>
+          <p:cNvPr id="3" name="Plassholder for innhold 2">
+            <a:extLst>
+              <a:ext uri="{FF2B5EF4-FFF2-40B4-BE49-F238E27FC236}">
+                <a16:creationId xmlns:a16="http://schemas.microsoft.com/office/drawing/2014/main" id="{0A830337-3274-9344-9D7C-2893F494EE5D}"/>
+              </a:ext>
+            </a:extLst>
+          </p:cNvPr>
+          <p:cNvSpPr>
+            <a:spLocks noGrp="1"/>
+          </p:cNvSpPr>
+          <p:nvPr>
+            <p:ph idx="1"/>
+          </p:nvPr>
+        </p:nvSpPr>
+        <p:spPr/>
+        <p:txBody>
+          <a:bodyPr/>
+          <a:lstStyle/>
+          <a:p>
+            <a:r>
+              <a:rPr lang="en-US" dirty="0"/>
+              <a:t>Finally made the QBM work!</a:t>
+            </a:r>
+          </a:p>
+          <a:p>
+            <a:r>
+              <a:rPr lang="en-US" dirty="0"/>
+              <a:t>Switched to </a:t>
+            </a:r>
+            <a:r>
+              <a:rPr lang="en-US" dirty="0" err="1"/>
+              <a:t>statevector</a:t>
+            </a:r>
+            <a:r>
+              <a:rPr lang="en-US" dirty="0"/>
+              <a:t> simulator without sampling, made the (code much faster)</a:t>
+            </a:r>
+          </a:p>
+          <a:p>
+            <a:r>
+              <a:rPr lang="en-US" dirty="0"/>
+              <a:t>Tested with some Hamiltonians</a:t>
+            </a:r>
+          </a:p>
+          <a:p>
+            <a:r>
+              <a:rPr lang="en-US" dirty="0"/>
+              <a:t>Started a bit on the transaction fraud dataset</a:t>
+            </a:r>
+          </a:p>
+          <a:p>
+            <a:endParaRPr lang="en-US" dirty="0"/>
+          </a:p>
+          <a:p>
+            <a:endParaRPr lang="en-US" dirty="0"/>
+          </a:p>
+          <a:p>
+            <a:endParaRPr lang="en-US" dirty="0"/>
+          </a:p>
+        </p:txBody>
+      </p:sp>
+    </p:spTree>
+    <p:extLst>
+      <p:ext uri="{BB962C8B-B14F-4D97-AF65-F5344CB8AC3E}">
+        <p14:creationId xmlns:p14="http://schemas.microsoft.com/office/powerpoint/2010/main" val="2883238063"/>
+      </p:ext>
+    </p:extLst>
+  </p:cSld>
+  <p:clrMapOvr>
+    <a:masterClrMapping/>
+  </p:clrMapOvr>
+</p:sld>
+</file>
+
+<file path=ppt/slides/slide11.xml><?xml version="1.0" encoding="utf-8"?>
+<p:sld xmlns:a="http://schemas.openxmlformats.org/drawingml/2006/main" xmlns:r="http://schemas.openxmlformats.org/officeDocument/2006/relationships" xmlns:p="http://schemas.openxmlformats.org/presentationml/2006/main">
+  <p:cSld>
+    <p:spTree>
+      <p:nvGrpSpPr>
+        <p:cNvPr id="1" name=""/>
+        <p:cNvGrpSpPr/>
+        <p:nvPr/>
+      </p:nvGrpSpPr>
+      <p:grpSpPr>
+        <a:xfrm>
+          <a:off x="0" y="0"/>
+          <a:ext cx="0" cy="0"/>
+          <a:chOff x="0" y="0"/>
+          <a:chExt cx="0" cy="0"/>
+        </a:xfrm>
+      </p:grpSpPr>
+      <p:sp>
+        <p:nvSpPr>
+          <p:cNvPr id="2" name="Tittel 1">
+            <a:extLst>
+              <a:ext uri="{FF2B5EF4-FFF2-40B4-BE49-F238E27FC236}">
+                <a16:creationId xmlns:a16="http://schemas.microsoft.com/office/drawing/2014/main" id="{6DCE8081-C691-DB4E-A8D1-3075626A327C}"/>
+              </a:ext>
+            </a:extLst>
+          </p:cNvPr>
+          <p:cNvSpPr>
+            <a:spLocks noGrp="1"/>
+          </p:cNvSpPr>
+          <p:nvPr>
+            <p:ph type="title"/>
+          </p:nvPr>
+        </p:nvSpPr>
+        <p:spPr/>
+        <p:txBody>
+          <a:bodyPr/>
+          <a:lstStyle/>
+          <a:p>
+            <a:r>
+              <a:rPr lang="en-US" dirty="0"/>
+              <a:t>Results: State preparation</a:t>
+            </a:r>
+          </a:p>
+        </p:txBody>
+      </p:sp>
+      <p:sp>
+        <p:nvSpPr>
+          <p:cNvPr id="3" name="Plassholder for innhold 2">
+            <a:extLst>
+              <a:ext uri="{FF2B5EF4-FFF2-40B4-BE49-F238E27FC236}">
+                <a16:creationId xmlns:a16="http://schemas.microsoft.com/office/drawing/2014/main" id="{963BC793-DF61-FF47-AADB-DEB3EDE07229}"/>
+              </a:ext>
+            </a:extLst>
+          </p:cNvPr>
+          <p:cNvSpPr>
+            <a:spLocks noGrp="1"/>
+          </p:cNvSpPr>
+          <p:nvPr>
+            <p:ph idx="1"/>
+          </p:nvPr>
+        </p:nvSpPr>
+        <p:spPr/>
+        <p:txBody>
+          <a:bodyPr/>
+          <a:lstStyle/>
+          <a:p>
+            <a:r>
+              <a:rPr lang="en-US" dirty="0"/>
+              <a:t>H</a:t>
+            </a:r>
+            <a:r>
+              <a:rPr lang="en-US" baseline="-25000" dirty="0"/>
+              <a:t>1</a:t>
+            </a:r>
+            <a:r>
+              <a:rPr lang="en-US" dirty="0"/>
+              <a:t>=𝛳</a:t>
+            </a:r>
+            <a:r>
+              <a:rPr lang="en-US" baseline="-25000" dirty="0"/>
+              <a:t>0 </a:t>
+            </a:r>
+            <a:r>
+              <a:rPr lang="en-US" dirty="0"/>
+              <a:t>Z</a:t>
+            </a:r>
+            <a:endParaRPr lang="en-US" baseline="-25000" dirty="0"/>
+          </a:p>
+          <a:p>
+            <a:r>
+              <a:rPr lang="en-US" dirty="0"/>
+              <a:t>H</a:t>
+            </a:r>
+            <a:r>
+              <a:rPr lang="en-US" baseline="-25000" dirty="0"/>
+              <a:t>2</a:t>
+            </a:r>
+            <a:r>
+              <a:rPr lang="en-US" dirty="0"/>
+              <a:t>=𝛳</a:t>
+            </a:r>
+            <a:r>
+              <a:rPr lang="en-US" baseline="-25000" dirty="0"/>
+              <a:t>0</a:t>
+            </a:r>
+            <a:r>
+              <a:rPr lang="en-US" dirty="0"/>
+              <a:t> ZZ+𝛳</a:t>
+            </a:r>
+            <a:r>
+              <a:rPr lang="en-US" baseline="-25000" dirty="0"/>
+              <a:t>1</a:t>
+            </a:r>
+            <a:r>
+              <a:rPr lang="en-US" dirty="0"/>
+              <a:t> IZ+𝛳</a:t>
+            </a:r>
+            <a:r>
+              <a:rPr lang="en-US" baseline="-25000" dirty="0"/>
+              <a:t>2</a:t>
+            </a:r>
+            <a:r>
+              <a:rPr lang="en-US" dirty="0"/>
+              <a:t> ZI</a:t>
+            </a:r>
+          </a:p>
+          <a:p>
+            <a:r>
+              <a:rPr lang="en-US" dirty="0"/>
+              <a:t>Fidelities 0.98 and 1.0 for H1 and H2</a:t>
+            </a:r>
+          </a:p>
+          <a:p>
+            <a:pPr lvl="1"/>
+            <a:r>
+              <a:rPr lang="en-US" dirty="0"/>
+              <a:t>Think it is due to singular values</a:t>
+            </a:r>
+          </a:p>
+          <a:p>
+            <a:pPr lvl="1"/>
+            <a:r>
+              <a:rPr lang="en-US" dirty="0"/>
+              <a:t>(3 of 4 elements along diagonal = 0)</a:t>
+            </a:r>
+          </a:p>
+          <a:p>
+            <a:pPr lvl="1"/>
+            <a:r>
+              <a:rPr lang="en-US" dirty="0"/>
+              <a:t>‘However, since the algorithm is employed in </a:t>
+            </a:r>
+          </a:p>
+          <a:p>
+            <a:pPr marL="274320" lvl="1" indent="0">
+              <a:buNone/>
+            </a:pPr>
+            <a:r>
+              <a:rPr lang="en-US" dirty="0"/>
+              <a:t>the context of machine learning, we do not </a:t>
+            </a:r>
+          </a:p>
+          <a:p>
+            <a:pPr marL="274320" lvl="1" indent="0">
+              <a:buNone/>
+            </a:pPr>
+            <a:r>
+              <a:rPr lang="en-US" dirty="0"/>
+              <a:t>necessarily require perfect state preparation.‘</a:t>
+            </a:r>
+          </a:p>
+        </p:txBody>
+      </p:sp>
+      <p:pic>
+        <p:nvPicPr>
+          <p:cNvPr id="7" name="Bilde 6">
+            <a:extLst>
+              <a:ext uri="{FF2B5EF4-FFF2-40B4-BE49-F238E27FC236}">
+                <a16:creationId xmlns:a16="http://schemas.microsoft.com/office/drawing/2014/main" id="{A0A9CB64-D350-CE47-A398-A4E04E36E005}"/>
+              </a:ext>
+            </a:extLst>
+          </p:cNvPr>
+          <p:cNvPicPr>
+            <a:picLocks noChangeAspect="1"/>
+          </p:cNvPicPr>
+          <p:nvPr/>
+        </p:nvPicPr>
+        <p:blipFill>
+          <a:blip r:embed="rId2"/>
+          <a:stretch>
+            <a:fillRect/>
+          </a:stretch>
+        </p:blipFill>
+        <p:spPr>
+          <a:xfrm>
+            <a:off x="8155186" y="484632"/>
+            <a:ext cx="3420346" cy="2261268"/>
+          </a:xfrm>
+          <a:prstGeom prst="rect">
+            <a:avLst/>
+          </a:prstGeom>
+        </p:spPr>
+      </p:pic>
+      <p:pic>
+        <p:nvPicPr>
+          <p:cNvPr id="10" name="Bilde 9">
+            <a:extLst>
+              <a:ext uri="{FF2B5EF4-FFF2-40B4-BE49-F238E27FC236}">
+                <a16:creationId xmlns:a16="http://schemas.microsoft.com/office/drawing/2014/main" id="{14392281-AE86-054E-9BE9-ABB8A6924545}"/>
+              </a:ext>
+            </a:extLst>
+          </p:cNvPr>
+          <p:cNvPicPr>
+            <a:picLocks noChangeAspect="1"/>
+          </p:cNvPicPr>
+          <p:nvPr/>
+        </p:nvPicPr>
+        <p:blipFill>
+          <a:blip r:embed="rId3">
+            <a:extLst>
+              <a:ext uri="{28A0092B-C50C-407E-A947-70E740481C1C}">
+                <a14:useLocalDpi xmlns:a14="http://schemas.microsoft.com/office/drawing/2010/main" val="0"/>
+              </a:ext>
+            </a:extLst>
+          </a:blip>
+          <a:stretch>
+            <a:fillRect/>
+          </a:stretch>
+        </p:blipFill>
+        <p:spPr>
+          <a:xfrm>
+            <a:off x="7430010" y="2709324"/>
+            <a:ext cx="4592806" cy="3444605"/>
+          </a:xfrm>
+          <a:prstGeom prst="rect">
+            <a:avLst/>
+          </a:prstGeom>
+        </p:spPr>
+      </p:pic>
+    </p:spTree>
+    <p:extLst>
+      <p:ext uri="{BB962C8B-B14F-4D97-AF65-F5344CB8AC3E}">
+        <p14:creationId xmlns:p14="http://schemas.microsoft.com/office/powerpoint/2010/main" val="1685932511"/>
+      </p:ext>
+    </p:extLst>
+  </p:cSld>
+  <p:clrMapOvr>
+    <a:masterClrMapping/>
+  </p:clrMapOvr>
+</p:sld>
+</file>
+
+<file path=ppt/slides/slide12.xml><?xml version="1.0" encoding="utf-8"?>
+<p:sld xmlns:a="http://schemas.openxmlformats.org/drawingml/2006/main" xmlns:r="http://schemas.openxmlformats.org/officeDocument/2006/relationships" xmlns:p="http://schemas.openxmlformats.org/presentationml/2006/main">
+  <p:cSld>
+    <p:spTree>
+      <p:nvGrpSpPr>
+        <p:cNvPr id="1" name=""/>
+        <p:cNvGrpSpPr/>
+        <p:nvPr/>
+      </p:nvGrpSpPr>
+      <p:grpSpPr>
+        <a:xfrm>
+          <a:off x="0" y="0"/>
+          <a:ext cx="0" cy="0"/>
+          <a:chOff x="0" y="0"/>
+          <a:chExt cx="0" cy="0"/>
+        </a:xfrm>
+      </p:grpSpPr>
+      <p:sp>
+        <p:nvSpPr>
+          <p:cNvPr id="2" name="Tittel 1">
+            <a:extLst>
+              <a:ext uri="{FF2B5EF4-FFF2-40B4-BE49-F238E27FC236}">
+                <a16:creationId xmlns:a16="http://schemas.microsoft.com/office/drawing/2014/main" id="{85AD2FFD-C34F-D044-A79C-4DDEC24CF045}"/>
+              </a:ext>
+            </a:extLst>
+          </p:cNvPr>
+          <p:cNvSpPr>
+            <a:spLocks noGrp="1"/>
+          </p:cNvSpPr>
+          <p:nvPr>
+            <p:ph type="title"/>
+          </p:nvPr>
+        </p:nvSpPr>
+        <p:spPr/>
+        <p:txBody>
+          <a:bodyPr/>
+          <a:lstStyle/>
+          <a:p>
+            <a:r>
+              <a:rPr lang="en-US" dirty="0"/>
+              <a:t>Results: H1- sampling probability</a:t>
+            </a:r>
+          </a:p>
+        </p:txBody>
+      </p:sp>
+      <p:sp>
+        <p:nvSpPr>
+          <p:cNvPr id="3" name="Plassholder for innhold 2">
+            <a:extLst>
+              <a:ext uri="{FF2B5EF4-FFF2-40B4-BE49-F238E27FC236}">
+                <a16:creationId xmlns:a16="http://schemas.microsoft.com/office/drawing/2014/main" id="{0399ED84-CA63-3947-99C7-1A12C15A416C}"/>
+              </a:ext>
+            </a:extLst>
+          </p:cNvPr>
+          <p:cNvSpPr>
+            <a:spLocks noGrp="1"/>
+          </p:cNvSpPr>
+          <p:nvPr>
+            <p:ph idx="1"/>
+          </p:nvPr>
+        </p:nvSpPr>
+        <p:spPr>
+          <a:xfrm>
+            <a:off x="1069848" y="1834610"/>
+            <a:ext cx="10058400" cy="4050792"/>
+          </a:xfrm>
+        </p:spPr>
+        <p:txBody>
+          <a:bodyPr/>
+          <a:lstStyle/>
+          <a:p>
+            <a:r>
+              <a:rPr lang="en-US" dirty="0"/>
+              <a:t>10 seeds, [-1, 1] uniform distribution</a:t>
+            </a:r>
+          </a:p>
+          <a:p>
+            <a:r>
+              <a:rPr lang="en-US" dirty="0"/>
+              <a:t>Target: [0.5, 0.5]</a:t>
+            </a:r>
+          </a:p>
+        </p:txBody>
+      </p:sp>
+      <p:pic>
+        <p:nvPicPr>
+          <p:cNvPr id="5" name="Bilde 4">
+            <a:extLst>
+              <a:ext uri="{FF2B5EF4-FFF2-40B4-BE49-F238E27FC236}">
+                <a16:creationId xmlns:a16="http://schemas.microsoft.com/office/drawing/2014/main" id="{1C83A476-1379-EF46-B91B-836519652B65}"/>
+              </a:ext>
+            </a:extLst>
+          </p:cNvPr>
+          <p:cNvPicPr>
+            <a:picLocks noChangeAspect="1"/>
+          </p:cNvPicPr>
+          <p:nvPr/>
+        </p:nvPicPr>
+        <p:blipFill>
+          <a:blip r:embed="rId2">
+            <a:extLst>
+              <a:ext uri="{28A0092B-C50C-407E-A947-70E740481C1C}">
+                <a14:useLocalDpi xmlns:a14="http://schemas.microsoft.com/office/drawing/2010/main" val="0"/>
+              </a:ext>
+            </a:extLst>
+          </a:blip>
+          <a:stretch>
+            <a:fillRect/>
+          </a:stretch>
+        </p:blipFill>
+        <p:spPr>
+          <a:xfrm>
+            <a:off x="531495" y="2701289"/>
+            <a:ext cx="4869180" cy="3651885"/>
+          </a:xfrm>
+          <a:prstGeom prst="rect">
+            <a:avLst/>
+          </a:prstGeom>
+        </p:spPr>
+      </p:pic>
+      <p:pic>
+        <p:nvPicPr>
+          <p:cNvPr id="7" name="Bilde 6">
+            <a:extLst>
+              <a:ext uri="{FF2B5EF4-FFF2-40B4-BE49-F238E27FC236}">
+                <a16:creationId xmlns:a16="http://schemas.microsoft.com/office/drawing/2014/main" id="{E3701A01-F95C-9048-B837-F3EEDC486CFB}"/>
+              </a:ext>
+            </a:extLst>
+          </p:cNvPr>
+          <p:cNvPicPr>
+            <a:picLocks noChangeAspect="1"/>
+          </p:cNvPicPr>
+          <p:nvPr/>
+        </p:nvPicPr>
+        <p:blipFill>
+          <a:blip r:embed="rId3">
+            <a:extLst>
+              <a:ext uri="{28A0092B-C50C-407E-A947-70E740481C1C}">
+                <a14:useLocalDpi xmlns:a14="http://schemas.microsoft.com/office/drawing/2010/main" val="0"/>
+              </a:ext>
+            </a:extLst>
+          </a:blip>
+          <a:stretch>
+            <a:fillRect/>
+          </a:stretch>
+        </p:blipFill>
+        <p:spPr>
+          <a:xfrm>
+            <a:off x="6272213" y="2701290"/>
+            <a:ext cx="5018659" cy="3763994"/>
+          </a:xfrm>
+          <a:prstGeom prst="rect">
+            <a:avLst/>
+          </a:prstGeom>
+        </p:spPr>
+      </p:pic>
+    </p:spTree>
+    <p:extLst>
+      <p:ext uri="{BB962C8B-B14F-4D97-AF65-F5344CB8AC3E}">
+        <p14:creationId xmlns:p14="http://schemas.microsoft.com/office/powerpoint/2010/main" val="1180486208"/>
+      </p:ext>
+    </p:extLst>
+  </p:cSld>
+  <p:clrMapOvr>
+    <a:masterClrMapping/>
+  </p:clrMapOvr>
+</p:sld>
+</file>
+
+<file path=ppt/slides/slide13.xml><?xml version="1.0" encoding="utf-8"?>
+<p:sld xmlns:a="http://schemas.openxmlformats.org/drawingml/2006/main" xmlns:r="http://schemas.openxmlformats.org/officeDocument/2006/relationships" xmlns:p="http://schemas.openxmlformats.org/presentationml/2006/main">
+  <p:cSld>
+    <p:spTree>
+      <p:nvGrpSpPr>
+        <p:cNvPr id="1" name=""/>
+        <p:cNvGrpSpPr/>
+        <p:nvPr/>
+      </p:nvGrpSpPr>
+      <p:grpSpPr>
+        <a:xfrm>
+          <a:off x="0" y="0"/>
+          <a:ext cx="0" cy="0"/>
+          <a:chOff x="0" y="0"/>
+          <a:chExt cx="0" cy="0"/>
+        </a:xfrm>
+      </p:grpSpPr>
+      <p:sp>
+        <p:nvSpPr>
+          <p:cNvPr id="2" name="Tittel 1">
+            <a:extLst>
+              <a:ext uri="{FF2B5EF4-FFF2-40B4-BE49-F238E27FC236}">
+                <a16:creationId xmlns:a16="http://schemas.microsoft.com/office/drawing/2014/main" id="{34E2E860-D54C-5C40-95C0-4DF588AED007}"/>
+              </a:ext>
+            </a:extLst>
+          </p:cNvPr>
+          <p:cNvSpPr>
+            <a:spLocks noGrp="1"/>
+          </p:cNvSpPr>
+          <p:nvPr>
+            <p:ph type="title"/>
+          </p:nvPr>
+        </p:nvSpPr>
+        <p:spPr/>
+        <p:txBody>
+          <a:bodyPr/>
+          <a:lstStyle/>
+          <a:p>
+            <a:r>
+              <a:rPr lang="en-US" dirty="0"/>
+              <a:t>Results: H2- </a:t>
+            </a:r>
+            <a:r>
+              <a:rPr lang="en-US" dirty="0" err="1"/>
+              <a:t>s.p.</a:t>
+            </a:r>
+            <a:endParaRPr lang="en-US" dirty="0"/>
+          </a:p>
+        </p:txBody>
+      </p:sp>
+      <p:sp>
+        <p:nvSpPr>
+          <p:cNvPr id="3" name="Plassholder for innhold 2">
+            <a:extLst>
+              <a:ext uri="{FF2B5EF4-FFF2-40B4-BE49-F238E27FC236}">
+                <a16:creationId xmlns:a16="http://schemas.microsoft.com/office/drawing/2014/main" id="{8D2A5C5E-276F-EE45-A02F-AE4515E81051}"/>
+              </a:ext>
+            </a:extLst>
+          </p:cNvPr>
+          <p:cNvSpPr>
+            <a:spLocks noGrp="1"/>
+          </p:cNvSpPr>
+          <p:nvPr>
+            <p:ph idx="1"/>
+          </p:nvPr>
+        </p:nvSpPr>
+        <p:spPr>
+          <a:xfrm>
+            <a:off x="1063752" y="1664208"/>
+            <a:ext cx="10058400" cy="4050792"/>
+          </a:xfrm>
+        </p:spPr>
+        <p:txBody>
+          <a:bodyPr/>
+          <a:lstStyle/>
+          <a:p>
+            <a:r>
+              <a:rPr lang="en-US" dirty="0"/>
+              <a:t>10 seeds, [-1, 1] uniform distribution</a:t>
+            </a:r>
+          </a:p>
+          <a:p>
+            <a:r>
+              <a:rPr lang="en-US" dirty="0"/>
+              <a:t>Target: Bell state</a:t>
+            </a:r>
+          </a:p>
+        </p:txBody>
+      </p:sp>
+      <p:pic>
+        <p:nvPicPr>
+          <p:cNvPr id="11" name="Bilde 10">
+            <a:extLst>
+              <a:ext uri="{FF2B5EF4-FFF2-40B4-BE49-F238E27FC236}">
+                <a16:creationId xmlns:a16="http://schemas.microsoft.com/office/drawing/2014/main" id="{F65C6159-1708-E24D-A88E-67961556C362}"/>
+              </a:ext>
+            </a:extLst>
+          </p:cNvPr>
+          <p:cNvPicPr>
+            <a:picLocks noChangeAspect="1"/>
+          </p:cNvPicPr>
+          <p:nvPr/>
+        </p:nvPicPr>
+        <p:blipFill>
+          <a:blip r:embed="rId3">
+            <a:extLst>
+              <a:ext uri="{28A0092B-C50C-407E-A947-70E740481C1C}">
+                <a14:useLocalDpi xmlns:a14="http://schemas.microsoft.com/office/drawing/2010/main" val="0"/>
+              </a:ext>
+            </a:extLst>
+          </a:blip>
+          <a:stretch>
+            <a:fillRect/>
+          </a:stretch>
+        </p:blipFill>
+        <p:spPr>
+          <a:xfrm>
+            <a:off x="0" y="2515766"/>
+            <a:ext cx="5672139" cy="4254104"/>
+          </a:xfrm>
+          <a:prstGeom prst="rect">
+            <a:avLst/>
+          </a:prstGeom>
+        </p:spPr>
+      </p:pic>
+      <p:pic>
+        <p:nvPicPr>
+          <p:cNvPr id="7" name="Bilde 6">
+            <a:extLst>
+              <a:ext uri="{FF2B5EF4-FFF2-40B4-BE49-F238E27FC236}">
+                <a16:creationId xmlns:a16="http://schemas.microsoft.com/office/drawing/2014/main" id="{F592AD41-DA46-654C-AF42-11C58645A58B}"/>
+              </a:ext>
+            </a:extLst>
+          </p:cNvPr>
+          <p:cNvPicPr>
+            <a:picLocks noChangeAspect="1"/>
+          </p:cNvPicPr>
+          <p:nvPr/>
+        </p:nvPicPr>
+        <p:blipFill>
+          <a:blip r:embed="rId4">
+            <a:extLst>
+              <a:ext uri="{28A0092B-C50C-407E-A947-70E740481C1C}">
+                <a14:useLocalDpi xmlns:a14="http://schemas.microsoft.com/office/drawing/2010/main" val="0"/>
+              </a:ext>
+            </a:extLst>
+          </a:blip>
+          <a:stretch>
+            <a:fillRect/>
+          </a:stretch>
+        </p:blipFill>
+        <p:spPr>
+          <a:xfrm>
+            <a:off x="5502787" y="2885194"/>
+            <a:ext cx="5179568" cy="3884676"/>
+          </a:xfrm>
+          <a:prstGeom prst="rect">
+            <a:avLst/>
+          </a:prstGeom>
+        </p:spPr>
+      </p:pic>
+      <p:pic>
+        <p:nvPicPr>
+          <p:cNvPr id="9" name="Bilde 8">
+            <a:extLst>
+              <a:ext uri="{FF2B5EF4-FFF2-40B4-BE49-F238E27FC236}">
+                <a16:creationId xmlns:a16="http://schemas.microsoft.com/office/drawing/2014/main" id="{92BF8CFC-B63A-DA4A-816A-C9AC4A0A2C78}"/>
+              </a:ext>
+            </a:extLst>
+          </p:cNvPr>
+          <p:cNvPicPr>
+            <a:picLocks noChangeAspect="1"/>
+          </p:cNvPicPr>
+          <p:nvPr/>
+        </p:nvPicPr>
+        <p:blipFill>
+          <a:blip r:embed="rId5">
+            <a:extLst>
+              <a:ext uri="{28A0092B-C50C-407E-A947-70E740481C1C}">
+                <a14:useLocalDpi xmlns:a14="http://schemas.microsoft.com/office/drawing/2010/main" val="0"/>
+              </a:ext>
+            </a:extLst>
+          </a:blip>
+          <a:stretch>
+            <a:fillRect/>
+          </a:stretch>
+        </p:blipFill>
+        <p:spPr>
+          <a:xfrm>
+            <a:off x="6679754" y="0"/>
+            <a:ext cx="4002601" cy="3001951"/>
+          </a:xfrm>
+          <a:prstGeom prst="rect">
+            <a:avLst/>
+          </a:prstGeom>
+        </p:spPr>
+      </p:pic>
+    </p:spTree>
+    <p:extLst>
+      <p:ext uri="{BB962C8B-B14F-4D97-AF65-F5344CB8AC3E}">
+        <p14:creationId xmlns:p14="http://schemas.microsoft.com/office/powerpoint/2010/main" val="315327856"/>
+      </p:ext>
+    </p:extLst>
+  </p:cSld>
+  <p:clrMapOvr>
+    <a:masterClrMapping/>
+  </p:clrMapOvr>
+</p:sld>
+</file>
+
+<file path=ppt/slides/slide14.xml><?xml version="1.0" encoding="utf-8"?>
+<p:sld xmlns:a="http://schemas.openxmlformats.org/drawingml/2006/main" xmlns:r="http://schemas.openxmlformats.org/officeDocument/2006/relationships" xmlns:p="http://schemas.openxmlformats.org/presentationml/2006/main">
+  <p:cSld>
+    <p:spTree>
+      <p:nvGrpSpPr>
+        <p:cNvPr id="1" name=""/>
+        <p:cNvGrpSpPr/>
+        <p:nvPr/>
+      </p:nvGrpSpPr>
+      <p:grpSpPr>
+        <a:xfrm>
+          <a:off x="0" y="0"/>
+          <a:ext cx="0" cy="0"/>
+          <a:chOff x="0" y="0"/>
+          <a:chExt cx="0" cy="0"/>
+        </a:xfrm>
+      </p:grpSpPr>
+      <p:sp>
+        <p:nvSpPr>
+          <p:cNvPr id="2" name="Tittel 1">
+            <a:extLst>
+              <a:ext uri="{FF2B5EF4-FFF2-40B4-BE49-F238E27FC236}">
+                <a16:creationId xmlns:a16="http://schemas.microsoft.com/office/drawing/2014/main" id="{84576D9C-CA3F-D442-AF78-68674728599D}"/>
+              </a:ext>
+            </a:extLst>
+          </p:cNvPr>
+          <p:cNvSpPr>
+            <a:spLocks noGrp="1"/>
+          </p:cNvSpPr>
+          <p:nvPr>
+            <p:ph type="title"/>
+          </p:nvPr>
+        </p:nvSpPr>
+        <p:spPr/>
+        <p:txBody>
+          <a:bodyPr/>
+          <a:lstStyle/>
+          <a:p>
+            <a:r>
+              <a:rPr lang="en-US" dirty="0"/>
+              <a:t>Plan next week</a:t>
+            </a:r>
+          </a:p>
+        </p:txBody>
+      </p:sp>
+      <p:sp>
+        <p:nvSpPr>
+          <p:cNvPr id="3" name="Plassholder for innhold 2">
+            <a:extLst>
+              <a:ext uri="{FF2B5EF4-FFF2-40B4-BE49-F238E27FC236}">
+                <a16:creationId xmlns:a16="http://schemas.microsoft.com/office/drawing/2014/main" id="{340C5199-F6C6-BD44-8F2D-CF2AA938994E}"/>
+              </a:ext>
+            </a:extLst>
+          </p:cNvPr>
+          <p:cNvSpPr>
+            <a:spLocks noGrp="1"/>
+          </p:cNvSpPr>
+          <p:nvPr>
+            <p:ph idx="1"/>
+          </p:nvPr>
+        </p:nvSpPr>
+        <p:spPr>
+          <a:xfrm>
+            <a:off x="1063752" y="1778508"/>
+            <a:ext cx="11122152" cy="4050792"/>
+          </a:xfrm>
+        </p:spPr>
+        <p:txBody>
+          <a:bodyPr/>
+          <a:lstStyle/>
+          <a:p>
+            <a:r>
+              <a:rPr lang="en-US" dirty="0"/>
+              <a:t>Run QBM with 3 and 4 qubit Hamiltonians(Did try to run it, but not enough RAM, must short it down)</a:t>
+            </a:r>
+          </a:p>
+          <a:p>
+            <a:r>
+              <a:rPr lang="en-US" dirty="0"/>
+              <a:t>Test discriminative learning:  identification of fraudulent credit card transactions</a:t>
+            </a:r>
+          </a:p>
+          <a:p>
+            <a:r>
+              <a:rPr lang="en-US" dirty="0"/>
+              <a:t>Using the Hamiltonian:</a:t>
+            </a:r>
+          </a:p>
+          <a:p>
+            <a:pPr lvl="1"/>
+            <a:endParaRPr lang="en-US" dirty="0"/>
+          </a:p>
+          <a:p>
+            <a:pPr lvl="1"/>
+            <a:r>
+              <a:rPr lang="en-US" dirty="0"/>
+              <a:t>Using second quantization and JW transformation to rewrite, compare with classical BM</a:t>
+            </a:r>
+          </a:p>
+          <a:p>
+            <a:r>
+              <a:rPr lang="en-US" dirty="0"/>
+              <a:t>Not sure what to do further on- Ideas:</a:t>
+            </a:r>
+          </a:p>
+          <a:p>
+            <a:pPr lvl="1"/>
+            <a:r>
+              <a:rPr lang="en-US" dirty="0"/>
+              <a:t>Finding the Hamiltonian from experimental data:  </a:t>
+            </a:r>
+            <a:r>
+              <a:rPr lang="en-US" dirty="0">
+                <a:hlinkClick r:id="rId2"/>
+              </a:rPr>
+              <a:t>https://arxiv.org/pdf/2002.06169.pdf</a:t>
+            </a:r>
+            <a:endParaRPr lang="en-US" dirty="0"/>
+          </a:p>
+          <a:p>
+            <a:pPr lvl="1"/>
+            <a:r>
+              <a:rPr lang="en-US" dirty="0"/>
+              <a:t>Combinatorial optimization problems : Max cut problem </a:t>
+            </a:r>
+          </a:p>
+          <a:p>
+            <a:pPr lvl="1"/>
+            <a:r>
+              <a:rPr lang="en-US" dirty="0"/>
+              <a:t>Combining QBM and GANs</a:t>
+            </a:r>
+          </a:p>
+          <a:p>
+            <a:endParaRPr lang="en-US" dirty="0"/>
+          </a:p>
+        </p:txBody>
+      </p:sp>
+      <p:pic>
+        <p:nvPicPr>
+          <p:cNvPr id="4" name="Bilde 3">
+            <a:extLst>
+              <a:ext uri="{FF2B5EF4-FFF2-40B4-BE49-F238E27FC236}">
+                <a16:creationId xmlns:a16="http://schemas.microsoft.com/office/drawing/2014/main" id="{9A3F59E6-E849-7843-BE40-5A2919DCA6E7}"/>
+              </a:ext>
+            </a:extLst>
+          </p:cNvPr>
+          <p:cNvPicPr>
+            <a:picLocks noChangeAspect="1"/>
+          </p:cNvPicPr>
+          <p:nvPr/>
+        </p:nvPicPr>
+        <p:blipFill>
+          <a:blip r:embed="rId3"/>
+          <a:stretch>
+            <a:fillRect/>
+          </a:stretch>
+        </p:blipFill>
+        <p:spPr>
+          <a:xfrm>
+            <a:off x="4214813" y="2800706"/>
+            <a:ext cx="3300412" cy="717054"/>
+          </a:xfrm>
+          <a:prstGeom prst="rect">
+            <a:avLst/>
+          </a:prstGeom>
+        </p:spPr>
+      </p:pic>
+    </p:spTree>
+    <p:extLst>
+      <p:ext uri="{BB962C8B-B14F-4D97-AF65-F5344CB8AC3E}">
+        <p14:creationId xmlns:p14="http://schemas.microsoft.com/office/powerpoint/2010/main" val="2582893231"/>
+      </p:ext>
+    </p:extLst>
+  </p:cSld>
+  <p:clrMapOvr>
+    <a:masterClrMapping/>
+  </p:clrMapOvr>
+</p:sld>
+</file>
+
 <file path=ppt/slides/slide2.xml><?xml version="1.0" encoding="utf-8"?>
-<p:sld xmlns:a="http://schemas.openxmlformats.org/drawingml/2006/main" xmlns:r="http://schemas.openxmlformats.org/officeDocument/2006/relationships" xmlns:p="http://schemas.openxmlformats.org/presentationml/2006/main">
+<p:sld xmlns:a="http://schemas.openxmlformats.org/drawingml/2006/main" xmlns:r="http://schemas.openxmlformats.org/officeDocument/2006/relationships" xmlns:p="http://schemas.openxmlformats.org/presentationml/2006/main" show="0">
   <p:cSld>
     <p:bg>
       <p:bgPr>
@@ -4939,7 +6317,7 @@
 </file>
 
 <file path=ppt/slides/slide3.xml><?xml version="1.0" encoding="utf-8"?>
-<p:sld xmlns:a="http://schemas.openxmlformats.org/drawingml/2006/main" xmlns:r="http://schemas.openxmlformats.org/officeDocument/2006/relationships" xmlns:p="http://schemas.openxmlformats.org/presentationml/2006/main">
+<p:sld xmlns:a="http://schemas.openxmlformats.org/drawingml/2006/main" xmlns:r="http://schemas.openxmlformats.org/officeDocument/2006/relationships" xmlns:p="http://schemas.openxmlformats.org/presentationml/2006/main" show="0">
   <p:cSld>
     <p:spTree>
       <p:nvGrpSpPr>
@@ -5200,7 +6578,7 @@
 </file>
 
 <file path=ppt/slides/slide4.xml><?xml version="1.0" encoding="utf-8"?>
-<p:sld xmlns:a="http://schemas.openxmlformats.org/drawingml/2006/main" xmlns:r="http://schemas.openxmlformats.org/officeDocument/2006/relationships" xmlns:p="http://schemas.openxmlformats.org/presentationml/2006/main">
+<p:sld xmlns:a="http://schemas.openxmlformats.org/drawingml/2006/main" xmlns:r="http://schemas.openxmlformats.org/officeDocument/2006/relationships" xmlns:p="http://schemas.openxmlformats.org/presentationml/2006/main" show="0">
   <p:cSld>
     <p:spTree>
       <p:nvGrpSpPr>
@@ -5442,7 +6820,7 @@
 </file>
 
 <file path=ppt/slides/slide5.xml><?xml version="1.0" encoding="utf-8"?>
-<p:sld xmlns:a="http://schemas.openxmlformats.org/drawingml/2006/main" xmlns:r="http://schemas.openxmlformats.org/officeDocument/2006/relationships" xmlns:p="http://schemas.openxmlformats.org/presentationml/2006/main">
+<p:sld xmlns:a="http://schemas.openxmlformats.org/drawingml/2006/main" xmlns:r="http://schemas.openxmlformats.org/officeDocument/2006/relationships" xmlns:p="http://schemas.openxmlformats.org/presentationml/2006/main" show="0">
   <p:cSld>
     <p:spTree>
       <p:nvGrpSpPr>
@@ -5702,7 +7080,7 @@
 </file>
 
 <file path=ppt/slides/slide6.xml><?xml version="1.0" encoding="utf-8"?>
-<p:sld xmlns:a="http://schemas.openxmlformats.org/drawingml/2006/main" xmlns:r="http://schemas.openxmlformats.org/officeDocument/2006/relationships" xmlns:p="http://schemas.openxmlformats.org/presentationml/2006/main">
+<p:sld xmlns:a="http://schemas.openxmlformats.org/drawingml/2006/main" xmlns:r="http://schemas.openxmlformats.org/officeDocument/2006/relationships" xmlns:p="http://schemas.openxmlformats.org/presentationml/2006/main" show="0">
   <p:cSld>
     <p:spTree>
       <p:nvGrpSpPr>
@@ -5969,7 +7347,7 @@
 </file>
 
 <file path=ppt/slides/slide7.xml><?xml version="1.0" encoding="utf-8"?>
-<p:sld xmlns:a="http://schemas.openxmlformats.org/drawingml/2006/main" xmlns:r="http://schemas.openxmlformats.org/officeDocument/2006/relationships" xmlns:p="http://schemas.openxmlformats.org/presentationml/2006/main">
+<p:sld xmlns:a="http://schemas.openxmlformats.org/drawingml/2006/main" xmlns:r="http://schemas.openxmlformats.org/officeDocument/2006/relationships" xmlns:p="http://schemas.openxmlformats.org/presentationml/2006/main" show="0">
   <p:cSld>
     <p:spTree>
       <p:nvGrpSpPr>
@@ -6155,7 +7533,7 @@
 </file>
 
 <file path=ppt/slides/slide8.xml><?xml version="1.0" encoding="utf-8"?>
-<p:sld xmlns:a="http://schemas.openxmlformats.org/drawingml/2006/main" xmlns:r="http://schemas.openxmlformats.org/officeDocument/2006/relationships" xmlns:p="http://schemas.openxmlformats.org/presentationml/2006/main">
+<p:sld xmlns:a="http://schemas.openxmlformats.org/drawingml/2006/main" xmlns:r="http://schemas.openxmlformats.org/officeDocument/2006/relationships" xmlns:p="http://schemas.openxmlformats.org/presentationml/2006/main" show="0">
   <p:cSld>
     <p:spTree>
       <p:nvGrpSpPr>
@@ -6337,7 +7715,7 @@
 </file>
 
 <file path=ppt/slides/slide9.xml><?xml version="1.0" encoding="utf-8"?>
-<p:sld xmlns:a="http://schemas.openxmlformats.org/drawingml/2006/main" xmlns:r="http://schemas.openxmlformats.org/officeDocument/2006/relationships" xmlns:p="http://schemas.openxmlformats.org/presentationml/2006/main">
+<p:sld xmlns:a="http://schemas.openxmlformats.org/drawingml/2006/main" xmlns:r="http://schemas.openxmlformats.org/officeDocument/2006/relationships" xmlns:p="http://schemas.openxmlformats.org/presentationml/2006/main" show="0">
   <p:cSld>
     <p:spTree>
       <p:nvGrpSpPr>
@@ -6813,4 +8191,299 @@
     </a:ext>
   </a:extLst>
 </a:theme>
+</file>
+
+<file path=ppt/theme/theme2.xml><?xml version="1.0" encoding="utf-8"?>
+<a:theme xmlns:a="http://schemas.openxmlformats.org/drawingml/2006/main" name="Office-tema">
+  <a:themeElements>
+    <a:clrScheme name="Office">
+      <a:dk1>
+        <a:sysClr val="windowText" lastClr="000000"/>
+      </a:dk1>
+      <a:lt1>
+        <a:sysClr val="window" lastClr="FFFFFF"/>
+      </a:lt1>
+      <a:dk2>
+        <a:srgbClr val="44546A"/>
+      </a:dk2>
+      <a:lt2>
+        <a:srgbClr val="E7E6E6"/>
+      </a:lt2>
+      <a:accent1>
+        <a:srgbClr val="4472C4"/>
+      </a:accent1>
+      <a:accent2>
+        <a:srgbClr val="ED7D31"/>
+      </a:accent2>
+      <a:accent3>
+        <a:srgbClr val="A5A5A5"/>
+      </a:accent3>
+      <a:accent4>
+        <a:srgbClr val="FFC000"/>
+      </a:accent4>
+      <a:accent5>
+        <a:srgbClr val="5B9BD5"/>
+      </a:accent5>
+      <a:accent6>
+        <a:srgbClr val="70AD47"/>
+      </a:accent6>
+      <a:hlink>
+        <a:srgbClr val="0563C1"/>
+      </a:hlink>
+      <a:folHlink>
+        <a:srgbClr val="954F72"/>
+      </a:folHlink>
+    </a:clrScheme>
+    <a:fontScheme name="Office">
+      <a:majorFont>
+        <a:latin typeface="Calibri Light" panose="020F0302020204030204"/>
+        <a:ea typeface=""/>
+        <a:cs typeface=""/>
+        <a:font script="Jpan" typeface="游ゴシック Light"/>
+        <a:font script="Hang" typeface="맑은 고딕"/>
+        <a:font script="Hans" typeface="等线 Light"/>
+        <a:font script="Hant" typeface="新細明體"/>
+        <a:font script="Arab" typeface="Times New Roman"/>
+        <a:font script="Hebr" typeface="Times New Roman"/>
+        <a:font script="Thai" typeface="Angsana New"/>
+        <a:font script="Ethi" typeface="Nyala"/>
+        <a:font script="Beng" typeface="Vrinda"/>
+        <a:font script="Gujr" typeface="Shruti"/>
+        <a:font script="Khmr" typeface="MoolBoran"/>
+        <a:font script="Knda" typeface="Tunga"/>
+        <a:font script="Guru" typeface="Raavi"/>
+        <a:font script="Cans" typeface="Euphemia"/>
+        <a:font script="Cher" typeface="Plantagenet Cherokee"/>
+        <a:font script="Yiii" typeface="Microsoft Yi Baiti"/>
+        <a:font script="Tibt" typeface="Microsoft Himalaya"/>
+        <a:font script="Thaa" typeface="MV Boli"/>
+        <a:font script="Deva" typeface="Mangal"/>
+        <a:font script="Telu" typeface="Gautami"/>
+        <a:font script="Taml" typeface="Latha"/>
+        <a:font script="Syrc" typeface="Estrangelo Edessa"/>
+        <a:font script="Orya" typeface="Kalinga"/>
+        <a:font script="Mlym" typeface="Kartika"/>
+        <a:font script="Laoo" typeface="DokChampa"/>
+        <a:font script="Sinh" typeface="Iskoola Pota"/>
+        <a:font script="Mong" typeface="Mongolian Baiti"/>
+        <a:font script="Viet" typeface="Times New Roman"/>
+        <a:font script="Uigh" typeface="Microsoft Uighur"/>
+        <a:font script="Geor" typeface="Sylfaen"/>
+        <a:font script="Armn" typeface="Arial"/>
+        <a:font script="Bugi" typeface="Leelawadee UI"/>
+        <a:font script="Bopo" typeface="Microsoft JhengHei"/>
+        <a:font script="Java" typeface="Javanese Text"/>
+        <a:font script="Lisu" typeface="Segoe UI"/>
+        <a:font script="Mymr" typeface="Myanmar Text"/>
+        <a:font script="Nkoo" typeface="Ebrima"/>
+        <a:font script="Olck" typeface="Nirmala UI"/>
+        <a:font script="Osma" typeface="Ebrima"/>
+        <a:font script="Phag" typeface="Phagspa"/>
+        <a:font script="Syrn" typeface="Estrangelo Edessa"/>
+        <a:font script="Syrj" typeface="Estrangelo Edessa"/>
+        <a:font script="Syre" typeface="Estrangelo Edessa"/>
+        <a:font script="Sora" typeface="Nirmala UI"/>
+        <a:font script="Tale" typeface="Microsoft Tai Le"/>
+        <a:font script="Talu" typeface="Microsoft New Tai Lue"/>
+        <a:font script="Tfng" typeface="Ebrima"/>
+      </a:majorFont>
+      <a:minorFont>
+        <a:latin typeface="Calibri" panose="020F0502020204030204"/>
+        <a:ea typeface=""/>
+        <a:cs typeface=""/>
+        <a:font script="Jpan" typeface="游ゴシック"/>
+        <a:font script="Hang" typeface="맑은 고딕"/>
+        <a:font script="Hans" typeface="等线"/>
+        <a:font script="Hant" typeface="新細明體"/>
+        <a:font script="Arab" typeface="Arial"/>
+        <a:font script="Hebr" typeface="Arial"/>
+        <a:font script="Thai" typeface="Cordia New"/>
+        <a:font script="Ethi" typeface="Nyala"/>
+        <a:font script="Beng" typeface="Vrinda"/>
+        <a:font script="Gujr" typeface="Shruti"/>
+        <a:font script="Khmr" typeface="DaunPenh"/>
+        <a:font script="Knda" typeface="Tunga"/>
+        <a:font script="Guru" typeface="Raavi"/>
+        <a:font script="Cans" typeface="Euphemia"/>
+        <a:font script="Cher" typeface="Plantagenet Cherokee"/>
+        <a:font script="Yiii" typeface="Microsoft Yi Baiti"/>
+        <a:font script="Tibt" typeface="Microsoft Himalaya"/>
+        <a:font script="Thaa" typeface="MV Boli"/>
+        <a:font script="Deva" typeface="Mangal"/>
+        <a:font script="Telu" typeface="Gautami"/>
+        <a:font script="Taml" typeface="Latha"/>
+        <a:font script="Syrc" typeface="Estrangelo Edessa"/>
+        <a:font script="Orya" typeface="Kalinga"/>
+        <a:font script="Mlym" typeface="Kartika"/>
+        <a:font script="Laoo" typeface="DokChampa"/>
+        <a:font script="Sinh" typeface="Iskoola Pota"/>
+        <a:font script="Mong" typeface="Mongolian Baiti"/>
+        <a:font script="Viet" typeface="Arial"/>
+        <a:font script="Uigh" typeface="Microsoft Uighur"/>
+        <a:font script="Geor" typeface="Sylfaen"/>
+        <a:font script="Armn" typeface="Arial"/>
+        <a:font script="Bugi" typeface="Leelawadee UI"/>
+        <a:font script="Bopo" typeface="Microsoft JhengHei"/>
+        <a:font script="Java" typeface="Javanese Text"/>
+        <a:font script="Lisu" typeface="Segoe UI"/>
+        <a:font script="Mymr" typeface="Myanmar Text"/>
+        <a:font script="Nkoo" typeface="Ebrima"/>
+        <a:font script="Olck" typeface="Nirmala UI"/>
+        <a:font script="Osma" typeface="Ebrima"/>
+        <a:font script="Phag" typeface="Phagspa"/>
+        <a:font script="Syrn" typeface="Estrangelo Edessa"/>
+        <a:font script="Syrj" typeface="Estrangelo Edessa"/>
+        <a:font script="Syre" typeface="Estrangelo Edessa"/>
+        <a:font script="Sora" typeface="Nirmala UI"/>
+        <a:font script="Tale" typeface="Microsoft Tai Le"/>
+        <a:font script="Talu" typeface="Microsoft New Tai Lue"/>
+        <a:font script="Tfng" typeface="Ebrima"/>
+      </a:minorFont>
+    </a:fontScheme>
+    <a:fmtScheme name="Office">
+      <a:fillStyleLst>
+        <a:solidFill>
+          <a:schemeClr val="phClr"/>
+        </a:solidFill>
+        <a:gradFill rotWithShape="1">
+          <a:gsLst>
+            <a:gs pos="0">
+              <a:schemeClr val="phClr">
+                <a:lumMod val="110000"/>
+                <a:satMod val="105000"/>
+                <a:tint val="67000"/>
+              </a:schemeClr>
+            </a:gs>
+            <a:gs pos="50000">
+              <a:schemeClr val="phClr">
+                <a:lumMod val="105000"/>
+                <a:satMod val="103000"/>
+                <a:tint val="73000"/>
+              </a:schemeClr>
+            </a:gs>
+            <a:gs pos="100000">
+              <a:schemeClr val="phClr">
+                <a:lumMod val="105000"/>
+                <a:satMod val="109000"/>
+                <a:tint val="81000"/>
+              </a:schemeClr>
+            </a:gs>
+          </a:gsLst>
+          <a:lin ang="5400000" scaled="0"/>
+        </a:gradFill>
+        <a:gradFill rotWithShape="1">
+          <a:gsLst>
+            <a:gs pos="0">
+              <a:schemeClr val="phClr">
+                <a:satMod val="103000"/>
+                <a:lumMod val="102000"/>
+                <a:tint val="94000"/>
+              </a:schemeClr>
+            </a:gs>
+            <a:gs pos="50000">
+              <a:schemeClr val="phClr">
+                <a:satMod val="110000"/>
+                <a:lumMod val="100000"/>
+                <a:shade val="100000"/>
+              </a:schemeClr>
+            </a:gs>
+            <a:gs pos="100000">
+              <a:schemeClr val="phClr">
+                <a:lumMod val="99000"/>
+                <a:satMod val="120000"/>
+                <a:shade val="78000"/>
+              </a:schemeClr>
+            </a:gs>
+          </a:gsLst>
+          <a:lin ang="5400000" scaled="0"/>
+        </a:gradFill>
+      </a:fillStyleLst>
+      <a:lnStyleLst>
+        <a:ln w="6350" cap="flat" cmpd="sng" algn="ctr">
+          <a:solidFill>
+            <a:schemeClr val="phClr"/>
+          </a:solidFill>
+          <a:prstDash val="solid"/>
+          <a:miter lim="800000"/>
+        </a:ln>
+        <a:ln w="12700" cap="flat" cmpd="sng" algn="ctr">
+          <a:solidFill>
+            <a:schemeClr val="phClr"/>
+          </a:solidFill>
+          <a:prstDash val="solid"/>
+          <a:miter lim="800000"/>
+        </a:ln>
+        <a:ln w="19050" cap="flat" cmpd="sng" algn="ctr">
+          <a:solidFill>
+            <a:schemeClr val="phClr"/>
+          </a:solidFill>
+          <a:prstDash val="solid"/>
+          <a:miter lim="800000"/>
+        </a:ln>
+      </a:lnStyleLst>
+      <a:effectStyleLst>
+        <a:effectStyle>
+          <a:effectLst/>
+        </a:effectStyle>
+        <a:effectStyle>
+          <a:effectLst/>
+        </a:effectStyle>
+        <a:effectStyle>
+          <a:effectLst>
+            <a:outerShdw blurRad="57150" dist="19050" dir="5400000" algn="ctr" rotWithShape="0">
+              <a:srgbClr val="000000">
+                <a:alpha val="63000"/>
+              </a:srgbClr>
+            </a:outerShdw>
+          </a:effectLst>
+        </a:effectStyle>
+      </a:effectStyleLst>
+      <a:bgFillStyleLst>
+        <a:solidFill>
+          <a:schemeClr val="phClr"/>
+        </a:solidFill>
+        <a:solidFill>
+          <a:schemeClr val="phClr">
+            <a:tint val="95000"/>
+            <a:satMod val="170000"/>
+          </a:schemeClr>
+        </a:solidFill>
+        <a:gradFill rotWithShape="1">
+          <a:gsLst>
+            <a:gs pos="0">
+              <a:schemeClr val="phClr">
+                <a:tint val="93000"/>
+                <a:satMod val="150000"/>
+                <a:shade val="98000"/>
+                <a:lumMod val="102000"/>
+              </a:schemeClr>
+            </a:gs>
+            <a:gs pos="50000">
+              <a:schemeClr val="phClr">
+                <a:tint val="98000"/>
+                <a:satMod val="130000"/>
+                <a:shade val="90000"/>
+                <a:lumMod val="103000"/>
+              </a:schemeClr>
+            </a:gs>
+            <a:gs pos="100000">
+              <a:schemeClr val="phClr">
+                <a:shade val="63000"/>
+                <a:satMod val="120000"/>
+              </a:schemeClr>
+            </a:gs>
+          </a:gsLst>
+          <a:lin ang="5400000" scaled="0"/>
+        </a:gradFill>
+      </a:bgFillStyleLst>
+    </a:fmtScheme>
+  </a:themeElements>
+  <a:objectDefaults/>
+  <a:extraClrSchemeLst/>
+  <a:extLst>
+    <a:ext uri="{05A4C25C-085E-4340-85A3-A5531E510DB2}">
+      <thm15:themeFamily xmlns:thm15="http://schemas.microsoft.com/office/thememl/2012/main" name="Office Theme" id="{62F939B6-93AF-4DB8-9C6B-D6C7DFDC589F}" vid="{4A3C46E8-61CC-4603-A589-7422A47A8E4A}"/>
+    </a:ext>
+  </a:extLst>
+</a:theme>
 </file>